--- a/SEW-Theorie/MQTT.pptx
+++ b/SEW-Theorie/MQTT.pptx
@@ -223,7 +223,7 @@
           <a:p>
             <a:fld id="{EEF96EEC-DAF9-4673-9EBF-DD59A418AC0B}" type="datetimeFigureOut">
               <a:rPr lang="de-AT" smtClean="0"/>
-              <a:t>02.01.2025</a:t>
+              <a:t>05.01.2025</a:t>
             </a:fld>
             <a:endParaRPr lang="de-AT"/>
           </a:p>
@@ -400,7 +400,7 @@
           <a:p>
             <a:fld id="{742B73E5-69D7-4534-828B-00C11B58432D}" type="datetimeFigureOut">
               <a:rPr lang="de-AT" smtClean="0"/>
-              <a:t>02.01.2025</a:t>
+              <a:t>05.01.2025</a:t>
             </a:fld>
             <a:endParaRPr lang="de-AT"/>
           </a:p>
@@ -1115,6 +1115,130 @@
 </p:notes>
 </file>
 
+<file path=ppt/notesSlides/notesSlide6.xml><?xml version="1.0" encoding="utf-8"?>
+<p:notes xmlns:a="http://schemas.openxmlformats.org/drawingml/2006/main" xmlns:r="http://schemas.openxmlformats.org/officeDocument/2006/relationships" xmlns:p="http://schemas.openxmlformats.org/presentationml/2006/main">
+  <p:cSld>
+    <p:spTree>
+      <p:nvGrpSpPr>
+        <p:cNvPr id="1" name=""/>
+        <p:cNvGrpSpPr/>
+        <p:nvPr/>
+      </p:nvGrpSpPr>
+      <p:grpSpPr>
+        <a:xfrm>
+          <a:off x="0" y="0"/>
+          <a:ext cx="0" cy="0"/>
+          <a:chOff x="0" y="0"/>
+          <a:chExt cx="0" cy="0"/>
+        </a:xfrm>
+      </p:grpSpPr>
+      <p:sp>
+        <p:nvSpPr>
+          <p:cNvPr id="2" name="Folienbildplatzhalter 1"/>
+          <p:cNvSpPr>
+            <a:spLocks noGrp="1" noRot="1" noChangeAspect="1"/>
+          </p:cNvSpPr>
+          <p:nvPr>
+            <p:ph type="sldImg"/>
+          </p:nvPr>
+        </p:nvSpPr>
+        <p:spPr/>
+      </p:sp>
+      <p:sp>
+        <p:nvSpPr>
+          <p:cNvPr id="3" name="Notizenplatzhalter 2"/>
+          <p:cNvSpPr>
+            <a:spLocks noGrp="1"/>
+          </p:cNvSpPr>
+          <p:nvPr>
+            <p:ph type="body" idx="1"/>
+          </p:nvPr>
+        </p:nvSpPr>
+        <p:spPr/>
+        <p:txBody>
+          <a:bodyPr/>
+          <a:lstStyle/>
+          <a:p>
+            <a:pPr marL="0" marR="0" lvl="0" indent="0" algn="l" defTabSz="914400" rtl="0" eaLnBrk="1" fontAlgn="auto" latinLnBrk="0" hangingPunct="1">
+              <a:lnSpc>
+                <a:spcPct val="100000"/>
+              </a:lnSpc>
+              <a:spcBef>
+                <a:spcPts val="0"/>
+              </a:spcBef>
+              <a:spcAft>
+                <a:spcPts val="0"/>
+              </a:spcAft>
+              <a:buClrTx/>
+              <a:buSzTx/>
+              <a:buFontTx/>
+              <a:buNone/>
+              <a:tabLst/>
+              <a:defRPr/>
+            </a:pPr>
+            <a:r>
+              <a:rPr lang="de-AT" dirty="0">
+                <a:solidFill>
+                  <a:schemeClr val="bg1"/>
+                </a:solidFill>
+              </a:rPr>
+              <a:t>.\mosquitto_sub.exe -h broker.hivemq.com -p 1883 -t 5bhitsdemo/</a:t>
+            </a:r>
+            <a:r>
+              <a:rPr lang="de-AT" dirty="0" err="1">
+                <a:solidFill>
+                  <a:schemeClr val="bg1"/>
+                </a:solidFill>
+              </a:rPr>
+              <a:t>temp</a:t>
+            </a:r>
+            <a:endParaRPr lang="de-AT" dirty="0">
+              <a:solidFill>
+                <a:schemeClr val="bg1"/>
+              </a:solidFill>
+            </a:endParaRPr>
+          </a:p>
+          <a:p>
+            <a:endParaRPr lang="de-AT" dirty="0"/>
+          </a:p>
+        </p:txBody>
+      </p:sp>
+      <p:sp>
+        <p:nvSpPr>
+          <p:cNvPr id="4" name="Foliennummernplatzhalter 3"/>
+          <p:cNvSpPr>
+            <a:spLocks noGrp="1"/>
+          </p:cNvSpPr>
+          <p:nvPr>
+            <p:ph type="sldNum" sz="quarter" idx="5"/>
+          </p:nvPr>
+        </p:nvSpPr>
+        <p:spPr/>
+        <p:txBody>
+          <a:bodyPr/>
+          <a:lstStyle/>
+          <a:p>
+            <a:fld id="{354AB613-57A8-480D-BB00-056F2090D4AB}" type="slidenum">
+              <a:rPr lang="de-AT" smtClean="0"/>
+              <a:t>7</a:t>
+            </a:fld>
+            <a:endParaRPr lang="de-AT"/>
+          </a:p>
+        </p:txBody>
+      </p:sp>
+    </p:spTree>
+    <p:extLst>
+      <p:ext uri="{BB962C8B-B14F-4D97-AF65-F5344CB8AC3E}">
+        <p14:creationId xmlns:p14="http://schemas.microsoft.com/office/powerpoint/2010/main" val="3001506708"/>
+      </p:ext>
+    </p:extLst>
+  </p:cSld>
+  <p:clrMapOvr>
+    <a:masterClrMapping/>
+  </p:clrMapOvr>
+</p:notes>
+</file>
+
 <file path=ppt/slideLayouts/slideLayout1.xml><?xml version="1.0" encoding="utf-8"?>
 <p:sldLayout xmlns:a="http://schemas.openxmlformats.org/drawingml/2006/main" xmlns:r="http://schemas.openxmlformats.org/officeDocument/2006/relationships" xmlns:p="http://schemas.openxmlformats.org/presentationml/2006/main" type="title" preserve="1">
   <p:cSld name="Titelfolie">
@@ -1264,7 +1388,7 @@
           <a:p>
             <a:fld id="{1CF8E907-BBCB-40B4-B3CF-34F68D22DA81}" type="datetimeFigureOut">
               <a:rPr lang="de-AT" smtClean="0"/>
-              <a:t>02.01.2025</a:t>
+              <a:t>05.01.2025</a:t>
             </a:fld>
             <a:endParaRPr lang="de-AT"/>
           </a:p>
@@ -1464,7 +1588,7 @@
           <a:p>
             <a:fld id="{1CF8E907-BBCB-40B4-B3CF-34F68D22DA81}" type="datetimeFigureOut">
               <a:rPr lang="de-AT" smtClean="0"/>
-              <a:t>02.01.2025</a:t>
+              <a:t>05.01.2025</a:t>
             </a:fld>
             <a:endParaRPr lang="de-AT"/>
           </a:p>
@@ -1674,7 +1798,7 @@
           <a:p>
             <a:fld id="{1CF8E907-BBCB-40B4-B3CF-34F68D22DA81}" type="datetimeFigureOut">
               <a:rPr lang="de-AT" smtClean="0"/>
-              <a:t>02.01.2025</a:t>
+              <a:t>05.01.2025</a:t>
             </a:fld>
             <a:endParaRPr lang="de-AT"/>
           </a:p>
@@ -1874,7 +1998,7 @@
           <a:p>
             <a:fld id="{1CF8E907-BBCB-40B4-B3CF-34F68D22DA81}" type="datetimeFigureOut">
               <a:rPr lang="de-AT" smtClean="0"/>
-              <a:t>02.01.2025</a:t>
+              <a:t>05.01.2025</a:t>
             </a:fld>
             <a:endParaRPr lang="de-AT"/>
           </a:p>
@@ -2150,7 +2274,7 @@
           <a:p>
             <a:fld id="{1CF8E907-BBCB-40B4-B3CF-34F68D22DA81}" type="datetimeFigureOut">
               <a:rPr lang="de-AT" smtClean="0"/>
-              <a:t>02.01.2025</a:t>
+              <a:t>05.01.2025</a:t>
             </a:fld>
             <a:endParaRPr lang="de-AT"/>
           </a:p>
@@ -2418,7 +2542,7 @@
           <a:p>
             <a:fld id="{1CF8E907-BBCB-40B4-B3CF-34F68D22DA81}" type="datetimeFigureOut">
               <a:rPr lang="de-AT" smtClean="0"/>
-              <a:t>02.01.2025</a:t>
+              <a:t>05.01.2025</a:t>
             </a:fld>
             <a:endParaRPr lang="de-AT"/>
           </a:p>
@@ -2833,7 +2957,7 @@
           <a:p>
             <a:fld id="{1CF8E907-BBCB-40B4-B3CF-34F68D22DA81}" type="datetimeFigureOut">
               <a:rPr lang="de-AT" smtClean="0"/>
-              <a:t>02.01.2025</a:t>
+              <a:t>05.01.2025</a:t>
             </a:fld>
             <a:endParaRPr lang="de-AT"/>
           </a:p>
@@ -2975,7 +3099,7 @@
           <a:p>
             <a:fld id="{1CF8E907-BBCB-40B4-B3CF-34F68D22DA81}" type="datetimeFigureOut">
               <a:rPr lang="de-AT" smtClean="0"/>
-              <a:t>02.01.2025</a:t>
+              <a:t>05.01.2025</a:t>
             </a:fld>
             <a:endParaRPr lang="de-AT"/>
           </a:p>
@@ -3088,7 +3212,7 @@
           <a:p>
             <a:fld id="{1CF8E907-BBCB-40B4-B3CF-34F68D22DA81}" type="datetimeFigureOut">
               <a:rPr lang="de-AT" smtClean="0"/>
-              <a:t>02.01.2025</a:t>
+              <a:t>05.01.2025</a:t>
             </a:fld>
             <a:endParaRPr lang="de-AT"/>
           </a:p>
@@ -3401,7 +3525,7 @@
           <a:p>
             <a:fld id="{1CF8E907-BBCB-40B4-B3CF-34F68D22DA81}" type="datetimeFigureOut">
               <a:rPr lang="de-AT" smtClean="0"/>
-              <a:t>02.01.2025</a:t>
+              <a:t>05.01.2025</a:t>
             </a:fld>
             <a:endParaRPr lang="de-AT"/>
           </a:p>
@@ -3690,7 +3814,7 @@
           <a:p>
             <a:fld id="{1CF8E907-BBCB-40B4-B3CF-34F68D22DA81}" type="datetimeFigureOut">
               <a:rPr lang="de-AT" smtClean="0"/>
-              <a:t>02.01.2025</a:t>
+              <a:t>05.01.2025</a:t>
             </a:fld>
             <a:endParaRPr lang="de-AT"/>
           </a:p>
@@ -3936,7 +4060,7 @@
           <a:p>
             <a:fld id="{1CF8E907-BBCB-40B4-B3CF-34F68D22DA81}" type="datetimeFigureOut">
               <a:rPr lang="de-AT" smtClean="0"/>
-              <a:t>02.01.2025</a:t>
+              <a:t>05.01.2025</a:t>
             </a:fld>
             <a:endParaRPr lang="de-AT"/>
           </a:p>
@@ -7357,7 +7481,7 @@
                 <a:ea typeface="Cascadia Code" panose="020B0609020000020004" pitchFamily="49" charset="0"/>
                 <a:cs typeface="Cascadia Code" panose="020B0609020000020004" pitchFamily="49" charset="0"/>
               </a:rPr>
-              <a:t>N Byte</a:t>
+              <a:t>N Bytes</a:t>
             </a:r>
             <a:endParaRPr lang="de-AT" dirty="0">
               <a:solidFill>
@@ -7827,6 +7951,53 @@
           </a:p>
         </p:txBody>
       </p:sp>
+      <p:pic>
+        <p:nvPicPr>
+          <p:cNvPr id="2052" name="Picture 4" descr="MQTT Broker - Buxbaum Automation GmbH">
+            <a:extLst>
+              <a:ext uri="{FF2B5EF4-FFF2-40B4-BE49-F238E27FC236}">
+                <a16:creationId xmlns:a16="http://schemas.microsoft.com/office/drawing/2014/main" id="{C256D772-8FE5-93BC-7748-3E08FD8E1662}"/>
+              </a:ext>
+            </a:extLst>
+          </p:cNvPr>
+          <p:cNvPicPr>
+            <a:picLocks noChangeAspect="1" noChangeArrowheads="1"/>
+          </p:cNvPicPr>
+          <p:nvPr/>
+        </p:nvPicPr>
+        <p:blipFill>
+          <a:blip r:embed="rId3">
+            <a:extLst>
+              <a:ext uri="{28A0092B-C50C-407E-A947-70E740481C1C}">
+                <a14:useLocalDpi xmlns:a14="http://schemas.microsoft.com/office/drawing/2010/main" val="0"/>
+              </a:ext>
+            </a:extLst>
+          </a:blip>
+          <a:srcRect/>
+          <a:stretch>
+            <a:fillRect/>
+          </a:stretch>
+        </p:blipFill>
+        <p:spPr bwMode="auto">
+          <a:xfrm>
+            <a:off x="9848850" y="1390650"/>
+            <a:ext cx="1828800" cy="1828800"/>
+          </a:xfrm>
+          <a:prstGeom prst="rect">
+            <a:avLst/>
+          </a:prstGeom>
+          <a:noFill/>
+          <a:extLst>
+            <a:ext uri="{909E8E84-426E-40DD-AFC4-6F175D3DCCD1}">
+              <a14:hiddenFill xmlns:a14="http://schemas.microsoft.com/office/drawing/2010/main">
+                <a:solidFill>
+                  <a:srgbClr val="FFFFFF"/>
+                </a:solidFill>
+              </a14:hiddenFill>
+            </a:ext>
+          </a:extLst>
+        </p:spPr>
+      </p:pic>
     </p:spTree>
     <p:extLst>
       <p:ext uri="{BB962C8B-B14F-4D97-AF65-F5344CB8AC3E}">
@@ -7915,22 +8086,9 @@
           <a:bodyPr/>
           <a:lstStyle/>
           <a:p>
-            <a:r>
-              <a:rPr lang="de-AT" dirty="0">
-                <a:solidFill>
-                  <a:schemeClr val="bg1"/>
-                </a:solidFill>
-              </a:rPr>
-              <a:t>.\mosquitto_sub.exe -h broker.hivemq.com -p 1883 -t 5bhitsdemo/</a:t>
-            </a:r>
-            <a:r>
-              <a:rPr lang="de-AT" dirty="0" err="1">
-                <a:solidFill>
-                  <a:schemeClr val="bg1"/>
-                </a:solidFill>
-              </a:rPr>
-              <a:t>temp</a:t>
-            </a:r>
+            <a:pPr marL="0" indent="0">
+              <a:buNone/>
+            </a:pPr>
             <a:endParaRPr lang="de-AT" dirty="0">
               <a:solidFill>
                 <a:schemeClr val="bg1"/>
@@ -7996,7 +8154,23 @@
                   <a:schemeClr val="bg1"/>
                 </a:solidFill>
               </a:rPr>
-              <a:t>QoS</a:t>
+              <a:t>QoS – Quality </a:t>
+            </a:r>
+            <a:r>
+              <a:rPr lang="de-DE" dirty="0" err="1">
+                <a:solidFill>
+                  <a:schemeClr val="bg1"/>
+                </a:solidFill>
+              </a:rPr>
+              <a:t>of</a:t>
+            </a:r>
+            <a:r>
+              <a:rPr lang="de-DE" dirty="0">
+                <a:solidFill>
+                  <a:schemeClr val="bg1"/>
+                </a:solidFill>
+              </a:rPr>
+              <a:t> Service</a:t>
             </a:r>
             <a:endParaRPr lang="de-AT" dirty="0">
               <a:solidFill>
@@ -8006,31 +8180,630 @@
           </a:p>
         </p:txBody>
       </p:sp>
-      <p:sp>
-        <p:nvSpPr>
-          <p:cNvPr id="3" name="Inhaltsplatzhalter 2">
-            <a:extLst>
-              <a:ext uri="{FF2B5EF4-FFF2-40B4-BE49-F238E27FC236}">
-                <a16:creationId xmlns:a16="http://schemas.microsoft.com/office/drawing/2014/main" id="{83F4852C-C681-3BF3-B5D5-71F7D299773D}"/>
-              </a:ext>
-            </a:extLst>
-          </p:cNvPr>
-          <p:cNvSpPr>
-            <a:spLocks noGrp="1"/>
-          </p:cNvSpPr>
+      <p:pic>
+        <p:nvPicPr>
+          <p:cNvPr id="11" name="Inhaltsplatzhalter 10">
+            <a:extLst>
+              <a:ext uri="{FF2B5EF4-FFF2-40B4-BE49-F238E27FC236}">
+                <a16:creationId xmlns:a16="http://schemas.microsoft.com/office/drawing/2014/main" id="{CF844F94-BA41-4F8E-9037-286A0675EEA8}"/>
+              </a:ext>
+            </a:extLst>
+          </p:cNvPr>
+          <p:cNvPicPr>
+            <a:picLocks noGrp="1" noChangeAspect="1"/>
+          </p:cNvPicPr>
           <p:nvPr>
             <p:ph idx="1"/>
           </p:nvPr>
-        </p:nvSpPr>
-        <p:spPr/>
-        <p:txBody>
-          <a:bodyPr/>
-          <a:lstStyle/>
-          <a:p>
-            <a:endParaRPr lang="de-AT">
+        </p:nvPicPr>
+        <p:blipFill>
+          <a:blip r:embed="rId2">
+            <a:extLst>
+              <a:ext uri="{96DAC541-7B7A-43D3-8B79-37D633B846F1}">
+                <asvg:svgBlip xmlns:asvg="http://schemas.microsoft.com/office/drawing/2016/SVG/main" r:embed="rId3"/>
+              </a:ext>
+            </a:extLst>
+          </a:blip>
+          <a:stretch>
+            <a:fillRect/>
+          </a:stretch>
+        </p:blipFill>
+        <p:spPr>
+          <a:xfrm>
+            <a:off x="838200" y="1749426"/>
+            <a:ext cx="8210550" cy="962025"/>
+          </a:xfrm>
+        </p:spPr>
+      </p:pic>
+      <p:pic>
+        <p:nvPicPr>
+          <p:cNvPr id="13" name="Grafik 12">
+            <a:extLst>
+              <a:ext uri="{FF2B5EF4-FFF2-40B4-BE49-F238E27FC236}">
+                <a16:creationId xmlns:a16="http://schemas.microsoft.com/office/drawing/2014/main" id="{2FCB87B7-49CA-BF72-C874-805D6A5075F9}"/>
+              </a:ext>
+            </a:extLst>
+          </p:cNvPr>
+          <p:cNvPicPr>
+            <a:picLocks noChangeAspect="1"/>
+          </p:cNvPicPr>
+          <p:nvPr/>
+        </p:nvPicPr>
+        <p:blipFill>
+          <a:blip r:embed="rId4">
+            <a:extLst>
+              <a:ext uri="{96DAC541-7B7A-43D3-8B79-37D633B846F1}">
+                <asvg:svgBlip xmlns:asvg="http://schemas.microsoft.com/office/drawing/2016/SVG/main" r:embed="rId5"/>
+              </a:ext>
+            </a:extLst>
+          </a:blip>
+          <a:stretch>
+            <a:fillRect/>
+          </a:stretch>
+        </p:blipFill>
+        <p:spPr>
+          <a:xfrm>
+            <a:off x="838200" y="3429000"/>
+            <a:ext cx="8201025" cy="962025"/>
+          </a:xfrm>
+          <a:prstGeom prst="rect">
+            <a:avLst/>
+          </a:prstGeom>
+        </p:spPr>
+      </p:pic>
+      <p:pic>
+        <p:nvPicPr>
+          <p:cNvPr id="15" name="Grafik 14">
+            <a:extLst>
+              <a:ext uri="{FF2B5EF4-FFF2-40B4-BE49-F238E27FC236}">
+                <a16:creationId xmlns:a16="http://schemas.microsoft.com/office/drawing/2014/main" id="{5A7953E5-A78E-4B60-5F70-283A7639B49E}"/>
+              </a:ext>
+            </a:extLst>
+          </p:cNvPr>
+          <p:cNvPicPr>
+            <a:picLocks noChangeAspect="1"/>
+          </p:cNvPicPr>
+          <p:nvPr/>
+        </p:nvPicPr>
+        <p:blipFill>
+          <a:blip r:embed="rId6">
+            <a:extLst>
+              <a:ext uri="{96DAC541-7B7A-43D3-8B79-37D633B846F1}">
+                <asvg:svgBlip xmlns:asvg="http://schemas.microsoft.com/office/drawing/2016/SVG/main" r:embed="rId7"/>
+              </a:ext>
+            </a:extLst>
+          </a:blip>
+          <a:stretch>
+            <a:fillRect/>
+          </a:stretch>
+        </p:blipFill>
+        <p:spPr>
+          <a:xfrm>
+            <a:off x="838199" y="5108574"/>
+            <a:ext cx="8201025" cy="1123950"/>
+          </a:xfrm>
+          <a:prstGeom prst="rect">
+            <a:avLst/>
+          </a:prstGeom>
+        </p:spPr>
+      </p:pic>
+      <p:sp>
+        <p:nvSpPr>
+          <p:cNvPr id="16" name="Textfeld 15">
+            <a:extLst>
+              <a:ext uri="{FF2B5EF4-FFF2-40B4-BE49-F238E27FC236}">
+                <a16:creationId xmlns:a16="http://schemas.microsoft.com/office/drawing/2014/main" id="{46263497-4CA3-D056-BC68-5BF240244EC6}"/>
+              </a:ext>
+            </a:extLst>
+          </p:cNvPr>
+          <p:cNvSpPr txBox="1"/>
+          <p:nvPr/>
+        </p:nvSpPr>
+        <p:spPr>
+          <a:xfrm>
+            <a:off x="3929061" y="1859002"/>
+            <a:ext cx="2019300" cy="369332"/>
+          </a:xfrm>
+          <a:prstGeom prst="rect">
+            <a:avLst/>
+          </a:prstGeom>
+          <a:noFill/>
+        </p:spPr>
+        <p:txBody>
+          <a:bodyPr wrap="square" rtlCol="0">
+            <a:spAutoFit/>
+          </a:bodyPr>
+          <a:lstStyle/>
+          <a:p>
+            <a:pPr algn="ctr"/>
+            <a:r>
+              <a:rPr lang="de-DE" dirty="0">
+                <a:solidFill>
+                  <a:schemeClr val="bg1"/>
+                </a:solidFill>
+                <a:latin typeface="+mj-lt"/>
+              </a:rPr>
+              <a:t>Publish QoS 0</a:t>
+            </a:r>
+            <a:endParaRPr lang="de-AT" dirty="0">
               <a:solidFill>
                 <a:schemeClr val="bg1"/>
               </a:solidFill>
+              <a:latin typeface="+mj-lt"/>
+            </a:endParaRPr>
+          </a:p>
+        </p:txBody>
+      </p:sp>
+      <p:sp>
+        <p:nvSpPr>
+          <p:cNvPr id="18" name="Textfeld 17">
+            <a:extLst>
+              <a:ext uri="{FF2B5EF4-FFF2-40B4-BE49-F238E27FC236}">
+                <a16:creationId xmlns:a16="http://schemas.microsoft.com/office/drawing/2014/main" id="{3233D8A0-5BF7-6006-E4EA-CF8581EA57F7}"/>
+              </a:ext>
+            </a:extLst>
+          </p:cNvPr>
+          <p:cNvSpPr txBox="1"/>
+          <p:nvPr/>
+        </p:nvSpPr>
+        <p:spPr>
+          <a:xfrm>
+            <a:off x="3929061" y="3244334"/>
+            <a:ext cx="2019300" cy="369332"/>
+          </a:xfrm>
+          <a:prstGeom prst="rect">
+            <a:avLst/>
+          </a:prstGeom>
+          <a:noFill/>
+        </p:spPr>
+        <p:txBody>
+          <a:bodyPr wrap="square" rtlCol="0">
+            <a:spAutoFit/>
+          </a:bodyPr>
+          <a:lstStyle/>
+          <a:p>
+            <a:pPr algn="ctr"/>
+            <a:r>
+              <a:rPr lang="de-DE" dirty="0">
+                <a:solidFill>
+                  <a:schemeClr val="bg1"/>
+                </a:solidFill>
+                <a:latin typeface="+mj-lt"/>
+              </a:rPr>
+              <a:t>Publish QoS 1</a:t>
+            </a:r>
+            <a:endParaRPr lang="de-AT" dirty="0">
+              <a:solidFill>
+                <a:schemeClr val="bg1"/>
+              </a:solidFill>
+              <a:latin typeface="+mj-lt"/>
+            </a:endParaRPr>
+          </a:p>
+        </p:txBody>
+      </p:sp>
+      <p:sp>
+        <p:nvSpPr>
+          <p:cNvPr id="19" name="Textfeld 18">
+            <a:extLst>
+              <a:ext uri="{FF2B5EF4-FFF2-40B4-BE49-F238E27FC236}">
+                <a16:creationId xmlns:a16="http://schemas.microsoft.com/office/drawing/2014/main" id="{D4E0497A-00FC-758D-2D21-3ACDAAB511E2}"/>
+              </a:ext>
+            </a:extLst>
+          </p:cNvPr>
+          <p:cNvSpPr txBox="1"/>
+          <p:nvPr/>
+        </p:nvSpPr>
+        <p:spPr>
+          <a:xfrm>
+            <a:off x="3929061" y="3798409"/>
+            <a:ext cx="2019300" cy="369332"/>
+          </a:xfrm>
+          <a:prstGeom prst="rect">
+            <a:avLst/>
+          </a:prstGeom>
+          <a:noFill/>
+        </p:spPr>
+        <p:txBody>
+          <a:bodyPr wrap="square" rtlCol="0">
+            <a:spAutoFit/>
+          </a:bodyPr>
+          <a:lstStyle/>
+          <a:p>
+            <a:pPr algn="ctr"/>
+            <a:r>
+              <a:rPr lang="de-DE" dirty="0">
+                <a:solidFill>
+                  <a:schemeClr val="bg1"/>
+                </a:solidFill>
+                <a:latin typeface="+mj-lt"/>
+              </a:rPr>
+              <a:t>PUBACK</a:t>
+            </a:r>
+            <a:endParaRPr lang="de-AT" dirty="0">
+              <a:solidFill>
+                <a:schemeClr val="bg1"/>
+              </a:solidFill>
+              <a:latin typeface="+mj-lt"/>
+            </a:endParaRPr>
+          </a:p>
+        </p:txBody>
+      </p:sp>
+      <p:sp>
+        <p:nvSpPr>
+          <p:cNvPr id="20" name="Textfeld 19">
+            <a:extLst>
+              <a:ext uri="{FF2B5EF4-FFF2-40B4-BE49-F238E27FC236}">
+                <a16:creationId xmlns:a16="http://schemas.microsoft.com/office/drawing/2014/main" id="{30169B53-4B51-CB5B-BE87-D9F9024EAC8D}"/>
+              </a:ext>
+            </a:extLst>
+          </p:cNvPr>
+          <p:cNvSpPr txBox="1"/>
+          <p:nvPr/>
+        </p:nvSpPr>
+        <p:spPr>
+          <a:xfrm>
+            <a:off x="3929061" y="4806434"/>
+            <a:ext cx="2019300" cy="369332"/>
+          </a:xfrm>
+          <a:prstGeom prst="rect">
+            <a:avLst/>
+          </a:prstGeom>
+          <a:noFill/>
+        </p:spPr>
+        <p:txBody>
+          <a:bodyPr wrap="square" rtlCol="0">
+            <a:spAutoFit/>
+          </a:bodyPr>
+          <a:lstStyle/>
+          <a:p>
+            <a:pPr algn="ctr"/>
+            <a:r>
+              <a:rPr lang="de-DE" dirty="0">
+                <a:solidFill>
+                  <a:schemeClr val="bg1"/>
+                </a:solidFill>
+                <a:latin typeface="+mj-lt"/>
+              </a:rPr>
+              <a:t>Publish QoS 2</a:t>
+            </a:r>
+            <a:endParaRPr lang="de-AT" dirty="0">
+              <a:solidFill>
+                <a:schemeClr val="bg1"/>
+              </a:solidFill>
+              <a:latin typeface="+mj-lt"/>
+            </a:endParaRPr>
+          </a:p>
+        </p:txBody>
+      </p:sp>
+      <p:sp>
+        <p:nvSpPr>
+          <p:cNvPr id="21" name="Textfeld 20">
+            <a:extLst>
+              <a:ext uri="{FF2B5EF4-FFF2-40B4-BE49-F238E27FC236}">
+                <a16:creationId xmlns:a16="http://schemas.microsoft.com/office/drawing/2014/main" id="{97ABF374-9885-5C11-E576-7F1701B54F7B}"/>
+              </a:ext>
+            </a:extLst>
+          </p:cNvPr>
+          <p:cNvSpPr txBox="1"/>
+          <p:nvPr/>
+        </p:nvSpPr>
+        <p:spPr>
+          <a:xfrm>
+            <a:off x="3929061" y="5377404"/>
+            <a:ext cx="2019300" cy="307777"/>
+          </a:xfrm>
+          <a:prstGeom prst="rect">
+            <a:avLst/>
+          </a:prstGeom>
+          <a:noFill/>
+        </p:spPr>
+        <p:txBody>
+          <a:bodyPr wrap="square" rtlCol="0">
+            <a:spAutoFit/>
+          </a:bodyPr>
+          <a:lstStyle/>
+          <a:p>
+            <a:pPr algn="ctr"/>
+            <a:r>
+              <a:rPr lang="de-DE" sz="1400" dirty="0">
+                <a:solidFill>
+                  <a:schemeClr val="bg1"/>
+                </a:solidFill>
+                <a:latin typeface="+mj-lt"/>
+              </a:rPr>
+              <a:t>PUBREC</a:t>
+            </a:r>
+            <a:endParaRPr lang="de-AT" dirty="0">
+              <a:solidFill>
+                <a:schemeClr val="bg1"/>
+              </a:solidFill>
+              <a:latin typeface="+mj-lt"/>
+            </a:endParaRPr>
+          </a:p>
+        </p:txBody>
+      </p:sp>
+      <p:sp>
+        <p:nvSpPr>
+          <p:cNvPr id="22" name="Textfeld 21">
+            <a:extLst>
+              <a:ext uri="{FF2B5EF4-FFF2-40B4-BE49-F238E27FC236}">
+                <a16:creationId xmlns:a16="http://schemas.microsoft.com/office/drawing/2014/main" id="{3D161327-5220-AA9B-54A6-2A19EC80667D}"/>
+              </a:ext>
+            </a:extLst>
+          </p:cNvPr>
+          <p:cNvSpPr txBox="1"/>
+          <p:nvPr/>
+        </p:nvSpPr>
+        <p:spPr>
+          <a:xfrm>
+            <a:off x="3929061" y="5617152"/>
+            <a:ext cx="2019300" cy="307777"/>
+          </a:xfrm>
+          <a:prstGeom prst="rect">
+            <a:avLst/>
+          </a:prstGeom>
+          <a:noFill/>
+        </p:spPr>
+        <p:txBody>
+          <a:bodyPr wrap="square" rtlCol="0">
+            <a:spAutoFit/>
+          </a:bodyPr>
+          <a:lstStyle/>
+          <a:p>
+            <a:pPr algn="ctr"/>
+            <a:r>
+              <a:rPr lang="de-DE" sz="1400" dirty="0">
+                <a:solidFill>
+                  <a:schemeClr val="bg1"/>
+                </a:solidFill>
+                <a:latin typeface="+mj-lt"/>
+              </a:rPr>
+              <a:t>PUBREL</a:t>
+            </a:r>
+            <a:endParaRPr lang="de-AT" dirty="0">
+              <a:solidFill>
+                <a:schemeClr val="bg1"/>
+              </a:solidFill>
+              <a:latin typeface="+mj-lt"/>
+            </a:endParaRPr>
+          </a:p>
+        </p:txBody>
+      </p:sp>
+      <p:sp>
+        <p:nvSpPr>
+          <p:cNvPr id="23" name="Textfeld 22">
+            <a:extLst>
+              <a:ext uri="{FF2B5EF4-FFF2-40B4-BE49-F238E27FC236}">
+                <a16:creationId xmlns:a16="http://schemas.microsoft.com/office/drawing/2014/main" id="{A0DB0348-4D70-EEA5-012B-BD2DBB524538}"/>
+              </a:ext>
+            </a:extLst>
+          </p:cNvPr>
+          <p:cNvSpPr txBox="1"/>
+          <p:nvPr/>
+        </p:nvSpPr>
+        <p:spPr>
+          <a:xfrm>
+            <a:off x="3929061" y="5856900"/>
+            <a:ext cx="2019300" cy="307777"/>
+          </a:xfrm>
+          <a:prstGeom prst="rect">
+            <a:avLst/>
+          </a:prstGeom>
+          <a:noFill/>
+        </p:spPr>
+        <p:txBody>
+          <a:bodyPr wrap="square" rtlCol="0">
+            <a:spAutoFit/>
+          </a:bodyPr>
+          <a:lstStyle/>
+          <a:p>
+            <a:pPr algn="ctr"/>
+            <a:r>
+              <a:rPr lang="de-DE" sz="1400" dirty="0">
+                <a:solidFill>
+                  <a:schemeClr val="bg1"/>
+                </a:solidFill>
+                <a:latin typeface="+mj-lt"/>
+              </a:rPr>
+              <a:t>PUBCOMP</a:t>
+            </a:r>
+            <a:endParaRPr lang="de-AT" dirty="0">
+              <a:solidFill>
+                <a:schemeClr val="bg1"/>
+              </a:solidFill>
+              <a:latin typeface="+mj-lt"/>
+            </a:endParaRPr>
+          </a:p>
+        </p:txBody>
+      </p:sp>
+      <p:sp>
+        <p:nvSpPr>
+          <p:cNvPr id="24" name="Textfeld 23">
+            <a:extLst>
+              <a:ext uri="{FF2B5EF4-FFF2-40B4-BE49-F238E27FC236}">
+                <a16:creationId xmlns:a16="http://schemas.microsoft.com/office/drawing/2014/main" id="{06112D07-BD9B-4140-A44F-6E1DCF422954}"/>
+              </a:ext>
+            </a:extLst>
+          </p:cNvPr>
+          <p:cNvSpPr txBox="1"/>
+          <p:nvPr/>
+        </p:nvSpPr>
+        <p:spPr>
+          <a:xfrm>
+            <a:off x="9258300" y="2062214"/>
+            <a:ext cx="2247900" cy="369332"/>
+          </a:xfrm>
+          <a:prstGeom prst="rect">
+            <a:avLst/>
+          </a:prstGeom>
+          <a:noFill/>
+        </p:spPr>
+        <p:txBody>
+          <a:bodyPr wrap="square" rtlCol="0">
+            <a:spAutoFit/>
+          </a:bodyPr>
+          <a:lstStyle/>
+          <a:p>
+            <a:r>
+              <a:rPr lang="de-DE" dirty="0">
+                <a:solidFill>
+                  <a:schemeClr val="bg1"/>
+                </a:solidFill>
+                <a:latin typeface="+mj-lt"/>
+              </a:rPr>
+              <a:t>At </a:t>
+            </a:r>
+            <a:r>
+              <a:rPr lang="de-DE" dirty="0" err="1">
+                <a:solidFill>
+                  <a:schemeClr val="bg1"/>
+                </a:solidFill>
+                <a:latin typeface="+mj-lt"/>
+              </a:rPr>
+              <a:t>most</a:t>
+            </a:r>
+            <a:r>
+              <a:rPr lang="de-DE" dirty="0">
+                <a:solidFill>
+                  <a:schemeClr val="bg1"/>
+                </a:solidFill>
+                <a:latin typeface="+mj-lt"/>
+              </a:rPr>
+              <a:t> </a:t>
+            </a:r>
+            <a:r>
+              <a:rPr lang="de-DE" dirty="0" err="1">
+                <a:solidFill>
+                  <a:schemeClr val="bg1"/>
+                </a:solidFill>
+                <a:latin typeface="+mj-lt"/>
+              </a:rPr>
+              <a:t>once</a:t>
+            </a:r>
+            <a:endParaRPr lang="de-DE" dirty="0">
+              <a:solidFill>
+                <a:schemeClr val="bg1"/>
+              </a:solidFill>
+              <a:latin typeface="+mj-lt"/>
+            </a:endParaRPr>
+          </a:p>
+        </p:txBody>
+      </p:sp>
+      <p:sp>
+        <p:nvSpPr>
+          <p:cNvPr id="25" name="Textfeld 24">
+            <a:extLst>
+              <a:ext uri="{FF2B5EF4-FFF2-40B4-BE49-F238E27FC236}">
+                <a16:creationId xmlns:a16="http://schemas.microsoft.com/office/drawing/2014/main" id="{A01E0347-991D-33EE-8D17-B26C204360C3}"/>
+              </a:ext>
+            </a:extLst>
+          </p:cNvPr>
+          <p:cNvSpPr txBox="1"/>
+          <p:nvPr/>
+        </p:nvSpPr>
+        <p:spPr>
+          <a:xfrm>
+            <a:off x="9258300" y="3725346"/>
+            <a:ext cx="2247900" cy="369332"/>
+          </a:xfrm>
+          <a:prstGeom prst="rect">
+            <a:avLst/>
+          </a:prstGeom>
+          <a:noFill/>
+        </p:spPr>
+        <p:txBody>
+          <a:bodyPr wrap="square" rtlCol="0">
+            <a:spAutoFit/>
+          </a:bodyPr>
+          <a:lstStyle/>
+          <a:p>
+            <a:r>
+              <a:rPr lang="de-DE" dirty="0">
+                <a:solidFill>
+                  <a:schemeClr val="bg1"/>
+                </a:solidFill>
+                <a:latin typeface="+mj-lt"/>
+              </a:rPr>
+              <a:t>At least </a:t>
+            </a:r>
+            <a:r>
+              <a:rPr lang="de-DE" dirty="0" err="1">
+                <a:solidFill>
+                  <a:schemeClr val="bg1"/>
+                </a:solidFill>
+                <a:latin typeface="+mj-lt"/>
+              </a:rPr>
+              <a:t>once</a:t>
+            </a:r>
+            <a:endParaRPr lang="de-AT" dirty="0">
+              <a:solidFill>
+                <a:schemeClr val="bg1"/>
+              </a:solidFill>
+              <a:latin typeface="+mj-lt"/>
+            </a:endParaRPr>
+          </a:p>
+        </p:txBody>
+      </p:sp>
+      <p:sp>
+        <p:nvSpPr>
+          <p:cNvPr id="26" name="Textfeld 25">
+            <a:extLst>
+              <a:ext uri="{FF2B5EF4-FFF2-40B4-BE49-F238E27FC236}">
+                <a16:creationId xmlns:a16="http://schemas.microsoft.com/office/drawing/2014/main" id="{9ACC5C60-D33B-CDDF-FA79-5BF50FDDB509}"/>
+              </a:ext>
+            </a:extLst>
+          </p:cNvPr>
+          <p:cNvSpPr txBox="1"/>
+          <p:nvPr/>
+        </p:nvSpPr>
+        <p:spPr>
+          <a:xfrm>
+            <a:off x="9258300" y="5432486"/>
+            <a:ext cx="2247900" cy="369332"/>
+          </a:xfrm>
+          <a:prstGeom prst="rect">
+            <a:avLst/>
+          </a:prstGeom>
+          <a:noFill/>
+        </p:spPr>
+        <p:txBody>
+          <a:bodyPr wrap="square" rtlCol="0">
+            <a:spAutoFit/>
+          </a:bodyPr>
+          <a:lstStyle/>
+          <a:p>
+            <a:r>
+              <a:rPr lang="de-DE" dirty="0" err="1">
+                <a:solidFill>
+                  <a:schemeClr val="bg1"/>
+                </a:solidFill>
+                <a:latin typeface="+mj-lt"/>
+              </a:rPr>
+              <a:t>Exactly</a:t>
+            </a:r>
+            <a:r>
+              <a:rPr lang="de-DE" dirty="0">
+                <a:solidFill>
+                  <a:schemeClr val="bg1"/>
+                </a:solidFill>
+                <a:latin typeface="+mj-lt"/>
+              </a:rPr>
+              <a:t> </a:t>
+            </a:r>
+            <a:r>
+              <a:rPr lang="de-DE" dirty="0" err="1">
+                <a:solidFill>
+                  <a:schemeClr val="bg1"/>
+                </a:solidFill>
+                <a:latin typeface="+mj-lt"/>
+              </a:rPr>
+              <a:t>once</a:t>
+            </a:r>
+            <a:endParaRPr lang="de-AT" dirty="0">
+              <a:solidFill>
+                <a:schemeClr val="bg1"/>
+              </a:solidFill>
+              <a:latin typeface="+mj-lt"/>
             </a:endParaRPr>
           </a:p>
         </p:txBody>
@@ -8045,6 +8818,665 @@
   <p:clrMapOvr>
     <a:masterClrMapping/>
   </p:clrMapOvr>
+  <p:timing>
+    <p:tnLst>
+      <p:par>
+        <p:cTn id="1" dur="indefinite" restart="never" nodeType="tmRoot">
+          <p:childTnLst>
+            <p:seq concurrent="1" nextAc="seek">
+              <p:cTn id="2" dur="indefinite" nodeType="mainSeq">
+                <p:childTnLst>
+                  <p:par>
+                    <p:cTn id="3" fill="hold">
+                      <p:stCondLst>
+                        <p:cond delay="indefinite"/>
+                      </p:stCondLst>
+                      <p:childTnLst>
+                        <p:par>
+                          <p:cTn id="4" fill="hold">
+                            <p:stCondLst>
+                              <p:cond delay="0"/>
+                            </p:stCondLst>
+                            <p:childTnLst>
+                              <p:par>
+                                <p:cTn id="5" presetID="10" presetClass="entr" presetSubtype="0" fill="hold" nodeType="clickEffect">
+                                  <p:stCondLst>
+                                    <p:cond delay="0"/>
+                                  </p:stCondLst>
+                                  <p:childTnLst>
+                                    <p:set>
+                                      <p:cBhvr>
+                                        <p:cTn id="6" dur="1" fill="hold">
+                                          <p:stCondLst>
+                                            <p:cond delay="0"/>
+                                          </p:stCondLst>
+                                        </p:cTn>
+                                        <p:tgtEl>
+                                          <p:spTgt spid="11"/>
+                                        </p:tgtEl>
+                                        <p:attrNameLst>
+                                          <p:attrName>style.visibility</p:attrName>
+                                        </p:attrNameLst>
+                                      </p:cBhvr>
+                                      <p:to>
+                                        <p:strVal val="visible"/>
+                                      </p:to>
+                                    </p:set>
+                                    <p:animEffect transition="in" filter="fade">
+                                      <p:cBhvr>
+                                        <p:cTn id="7" dur="500"/>
+                                        <p:tgtEl>
+                                          <p:spTgt spid="11"/>
+                                        </p:tgtEl>
+                                      </p:cBhvr>
+                                    </p:animEffect>
+                                  </p:childTnLst>
+                                </p:cTn>
+                              </p:par>
+                              <p:par>
+                                <p:cTn id="8" presetID="10" presetClass="entr" presetSubtype="0" fill="hold" grpId="0" nodeType="withEffect">
+                                  <p:stCondLst>
+                                    <p:cond delay="0"/>
+                                  </p:stCondLst>
+                                  <p:childTnLst>
+                                    <p:set>
+                                      <p:cBhvr>
+                                        <p:cTn id="9" dur="1" fill="hold">
+                                          <p:stCondLst>
+                                            <p:cond delay="0"/>
+                                          </p:stCondLst>
+                                        </p:cTn>
+                                        <p:tgtEl>
+                                          <p:spTgt spid="16"/>
+                                        </p:tgtEl>
+                                        <p:attrNameLst>
+                                          <p:attrName>style.visibility</p:attrName>
+                                        </p:attrNameLst>
+                                      </p:cBhvr>
+                                      <p:to>
+                                        <p:strVal val="visible"/>
+                                      </p:to>
+                                    </p:set>
+                                    <p:animEffect transition="in" filter="fade">
+                                      <p:cBhvr>
+                                        <p:cTn id="10" dur="500"/>
+                                        <p:tgtEl>
+                                          <p:spTgt spid="16"/>
+                                        </p:tgtEl>
+                                      </p:cBhvr>
+                                    </p:animEffect>
+                                  </p:childTnLst>
+                                </p:cTn>
+                              </p:par>
+                              <p:par>
+                                <p:cTn id="11" presetID="10" presetClass="entr" presetSubtype="0" fill="hold" grpId="0" nodeType="withEffect">
+                                  <p:stCondLst>
+                                    <p:cond delay="0"/>
+                                  </p:stCondLst>
+                                  <p:childTnLst>
+                                    <p:set>
+                                      <p:cBhvr>
+                                        <p:cTn id="12" dur="1" fill="hold">
+                                          <p:stCondLst>
+                                            <p:cond delay="0"/>
+                                          </p:stCondLst>
+                                        </p:cTn>
+                                        <p:tgtEl>
+                                          <p:spTgt spid="24"/>
+                                        </p:tgtEl>
+                                        <p:attrNameLst>
+                                          <p:attrName>style.visibility</p:attrName>
+                                        </p:attrNameLst>
+                                      </p:cBhvr>
+                                      <p:to>
+                                        <p:strVal val="visible"/>
+                                      </p:to>
+                                    </p:set>
+                                    <p:animEffect transition="in" filter="fade">
+                                      <p:cBhvr>
+                                        <p:cTn id="13" dur="500"/>
+                                        <p:tgtEl>
+                                          <p:spTgt spid="24"/>
+                                        </p:tgtEl>
+                                      </p:cBhvr>
+                                    </p:animEffect>
+                                  </p:childTnLst>
+                                </p:cTn>
+                              </p:par>
+                            </p:childTnLst>
+                          </p:cTn>
+                        </p:par>
+                      </p:childTnLst>
+                    </p:cTn>
+                  </p:par>
+                  <p:par>
+                    <p:cTn id="14" fill="hold">
+                      <p:stCondLst>
+                        <p:cond delay="indefinite"/>
+                      </p:stCondLst>
+                      <p:childTnLst>
+                        <p:par>
+                          <p:cTn id="15" fill="hold">
+                            <p:stCondLst>
+                              <p:cond delay="0"/>
+                            </p:stCondLst>
+                            <p:childTnLst>
+                              <p:par>
+                                <p:cTn id="16" presetID="10" presetClass="entr" presetSubtype="0" fill="hold" nodeType="clickEffect">
+                                  <p:stCondLst>
+                                    <p:cond delay="0"/>
+                                  </p:stCondLst>
+                                  <p:childTnLst>
+                                    <p:set>
+                                      <p:cBhvr>
+                                        <p:cTn id="17" dur="1" fill="hold">
+                                          <p:stCondLst>
+                                            <p:cond delay="0"/>
+                                          </p:stCondLst>
+                                        </p:cTn>
+                                        <p:tgtEl>
+                                          <p:spTgt spid="13"/>
+                                        </p:tgtEl>
+                                        <p:attrNameLst>
+                                          <p:attrName>style.visibility</p:attrName>
+                                        </p:attrNameLst>
+                                      </p:cBhvr>
+                                      <p:to>
+                                        <p:strVal val="visible"/>
+                                      </p:to>
+                                    </p:set>
+                                    <p:animEffect transition="in" filter="fade">
+                                      <p:cBhvr>
+                                        <p:cTn id="18" dur="500"/>
+                                        <p:tgtEl>
+                                          <p:spTgt spid="13"/>
+                                        </p:tgtEl>
+                                      </p:cBhvr>
+                                    </p:animEffect>
+                                  </p:childTnLst>
+                                </p:cTn>
+                              </p:par>
+                              <p:par>
+                                <p:cTn id="19" presetID="10" presetClass="entr" presetSubtype="0" fill="hold" grpId="0" nodeType="withEffect">
+                                  <p:stCondLst>
+                                    <p:cond delay="0"/>
+                                  </p:stCondLst>
+                                  <p:childTnLst>
+                                    <p:set>
+                                      <p:cBhvr>
+                                        <p:cTn id="20" dur="1" fill="hold">
+                                          <p:stCondLst>
+                                            <p:cond delay="0"/>
+                                          </p:stCondLst>
+                                        </p:cTn>
+                                        <p:tgtEl>
+                                          <p:spTgt spid="25"/>
+                                        </p:tgtEl>
+                                        <p:attrNameLst>
+                                          <p:attrName>style.visibility</p:attrName>
+                                        </p:attrNameLst>
+                                      </p:cBhvr>
+                                      <p:to>
+                                        <p:strVal val="visible"/>
+                                      </p:to>
+                                    </p:set>
+                                    <p:animEffect transition="in" filter="fade">
+                                      <p:cBhvr>
+                                        <p:cTn id="21" dur="500"/>
+                                        <p:tgtEl>
+                                          <p:spTgt spid="25"/>
+                                        </p:tgtEl>
+                                      </p:cBhvr>
+                                    </p:animEffect>
+                                  </p:childTnLst>
+                                </p:cTn>
+                              </p:par>
+                            </p:childTnLst>
+                          </p:cTn>
+                        </p:par>
+                      </p:childTnLst>
+                    </p:cTn>
+                  </p:par>
+                  <p:par>
+                    <p:cTn id="22" fill="hold">
+                      <p:stCondLst>
+                        <p:cond delay="indefinite"/>
+                      </p:stCondLst>
+                      <p:childTnLst>
+                        <p:par>
+                          <p:cTn id="23" fill="hold">
+                            <p:stCondLst>
+                              <p:cond delay="0"/>
+                            </p:stCondLst>
+                            <p:childTnLst>
+                              <p:par>
+                                <p:cTn id="24" presetID="10" presetClass="entr" presetSubtype="0" fill="hold" grpId="0" nodeType="clickEffect">
+                                  <p:stCondLst>
+                                    <p:cond delay="0"/>
+                                  </p:stCondLst>
+                                  <p:childTnLst>
+                                    <p:set>
+                                      <p:cBhvr>
+                                        <p:cTn id="25" dur="1" fill="hold">
+                                          <p:stCondLst>
+                                            <p:cond delay="0"/>
+                                          </p:stCondLst>
+                                        </p:cTn>
+                                        <p:tgtEl>
+                                          <p:spTgt spid="18"/>
+                                        </p:tgtEl>
+                                        <p:attrNameLst>
+                                          <p:attrName>style.visibility</p:attrName>
+                                        </p:attrNameLst>
+                                      </p:cBhvr>
+                                      <p:to>
+                                        <p:strVal val="visible"/>
+                                      </p:to>
+                                    </p:set>
+                                    <p:animEffect transition="in" filter="fade">
+                                      <p:cBhvr>
+                                        <p:cTn id="26" dur="500"/>
+                                        <p:tgtEl>
+                                          <p:spTgt spid="18"/>
+                                        </p:tgtEl>
+                                      </p:cBhvr>
+                                    </p:animEffect>
+                                  </p:childTnLst>
+                                </p:cTn>
+                              </p:par>
+                            </p:childTnLst>
+                          </p:cTn>
+                        </p:par>
+                      </p:childTnLst>
+                    </p:cTn>
+                  </p:par>
+                  <p:par>
+                    <p:cTn id="27" fill="hold">
+                      <p:stCondLst>
+                        <p:cond delay="indefinite"/>
+                      </p:stCondLst>
+                      <p:childTnLst>
+                        <p:par>
+                          <p:cTn id="28" fill="hold">
+                            <p:stCondLst>
+                              <p:cond delay="0"/>
+                            </p:stCondLst>
+                            <p:childTnLst>
+                              <p:par>
+                                <p:cTn id="29" presetID="10" presetClass="entr" presetSubtype="0" fill="hold" grpId="0" nodeType="clickEffect">
+                                  <p:stCondLst>
+                                    <p:cond delay="0"/>
+                                  </p:stCondLst>
+                                  <p:childTnLst>
+                                    <p:set>
+                                      <p:cBhvr>
+                                        <p:cTn id="30" dur="1" fill="hold">
+                                          <p:stCondLst>
+                                            <p:cond delay="0"/>
+                                          </p:stCondLst>
+                                        </p:cTn>
+                                        <p:tgtEl>
+                                          <p:spTgt spid="19"/>
+                                        </p:tgtEl>
+                                        <p:attrNameLst>
+                                          <p:attrName>style.visibility</p:attrName>
+                                        </p:attrNameLst>
+                                      </p:cBhvr>
+                                      <p:to>
+                                        <p:strVal val="visible"/>
+                                      </p:to>
+                                    </p:set>
+                                    <p:animEffect transition="in" filter="fade">
+                                      <p:cBhvr>
+                                        <p:cTn id="31" dur="500"/>
+                                        <p:tgtEl>
+                                          <p:spTgt spid="19"/>
+                                        </p:tgtEl>
+                                      </p:cBhvr>
+                                    </p:animEffect>
+                                  </p:childTnLst>
+                                </p:cTn>
+                              </p:par>
+                            </p:childTnLst>
+                          </p:cTn>
+                        </p:par>
+                      </p:childTnLst>
+                    </p:cTn>
+                  </p:par>
+                  <p:par>
+                    <p:cTn id="32" fill="hold">
+                      <p:stCondLst>
+                        <p:cond delay="indefinite"/>
+                      </p:stCondLst>
+                      <p:childTnLst>
+                        <p:par>
+                          <p:cTn id="33" fill="hold">
+                            <p:stCondLst>
+                              <p:cond delay="0"/>
+                            </p:stCondLst>
+                            <p:childTnLst>
+                              <p:par>
+                                <p:cTn id="34" presetID="10" presetClass="entr" presetSubtype="0" fill="hold" nodeType="clickEffect">
+                                  <p:stCondLst>
+                                    <p:cond delay="0"/>
+                                  </p:stCondLst>
+                                  <p:childTnLst>
+                                    <p:set>
+                                      <p:cBhvr>
+                                        <p:cTn id="35" dur="1" fill="hold">
+                                          <p:stCondLst>
+                                            <p:cond delay="0"/>
+                                          </p:stCondLst>
+                                        </p:cTn>
+                                        <p:tgtEl>
+                                          <p:spTgt spid="15"/>
+                                        </p:tgtEl>
+                                        <p:attrNameLst>
+                                          <p:attrName>style.visibility</p:attrName>
+                                        </p:attrNameLst>
+                                      </p:cBhvr>
+                                      <p:to>
+                                        <p:strVal val="visible"/>
+                                      </p:to>
+                                    </p:set>
+                                    <p:animEffect transition="in" filter="fade">
+                                      <p:cBhvr>
+                                        <p:cTn id="36" dur="500"/>
+                                        <p:tgtEl>
+                                          <p:spTgt spid="15"/>
+                                        </p:tgtEl>
+                                      </p:cBhvr>
+                                    </p:animEffect>
+                                  </p:childTnLst>
+                                </p:cTn>
+                              </p:par>
+                              <p:par>
+                                <p:cTn id="37" presetID="10" presetClass="entr" presetSubtype="0" fill="hold" grpId="0" nodeType="withEffect">
+                                  <p:stCondLst>
+                                    <p:cond delay="0"/>
+                                  </p:stCondLst>
+                                  <p:childTnLst>
+                                    <p:set>
+                                      <p:cBhvr>
+                                        <p:cTn id="38" dur="1" fill="hold">
+                                          <p:stCondLst>
+                                            <p:cond delay="0"/>
+                                          </p:stCondLst>
+                                        </p:cTn>
+                                        <p:tgtEl>
+                                          <p:spTgt spid="26"/>
+                                        </p:tgtEl>
+                                        <p:attrNameLst>
+                                          <p:attrName>style.visibility</p:attrName>
+                                        </p:attrNameLst>
+                                      </p:cBhvr>
+                                      <p:to>
+                                        <p:strVal val="visible"/>
+                                      </p:to>
+                                    </p:set>
+                                    <p:animEffect transition="in" filter="fade">
+                                      <p:cBhvr>
+                                        <p:cTn id="39" dur="500"/>
+                                        <p:tgtEl>
+                                          <p:spTgt spid="26"/>
+                                        </p:tgtEl>
+                                      </p:cBhvr>
+                                    </p:animEffect>
+                                  </p:childTnLst>
+                                </p:cTn>
+                              </p:par>
+                            </p:childTnLst>
+                          </p:cTn>
+                        </p:par>
+                      </p:childTnLst>
+                    </p:cTn>
+                  </p:par>
+                  <p:par>
+                    <p:cTn id="40" fill="hold">
+                      <p:stCondLst>
+                        <p:cond delay="indefinite"/>
+                      </p:stCondLst>
+                      <p:childTnLst>
+                        <p:par>
+                          <p:cTn id="41" fill="hold">
+                            <p:stCondLst>
+                              <p:cond delay="0"/>
+                            </p:stCondLst>
+                            <p:childTnLst>
+                              <p:par>
+                                <p:cTn id="42" presetID="10" presetClass="entr" presetSubtype="0" fill="hold" grpId="0" nodeType="clickEffect">
+                                  <p:stCondLst>
+                                    <p:cond delay="0"/>
+                                  </p:stCondLst>
+                                  <p:childTnLst>
+                                    <p:set>
+                                      <p:cBhvr>
+                                        <p:cTn id="43" dur="1" fill="hold">
+                                          <p:stCondLst>
+                                            <p:cond delay="0"/>
+                                          </p:stCondLst>
+                                        </p:cTn>
+                                        <p:tgtEl>
+                                          <p:spTgt spid="20"/>
+                                        </p:tgtEl>
+                                        <p:attrNameLst>
+                                          <p:attrName>style.visibility</p:attrName>
+                                        </p:attrNameLst>
+                                      </p:cBhvr>
+                                      <p:to>
+                                        <p:strVal val="visible"/>
+                                      </p:to>
+                                    </p:set>
+                                    <p:animEffect transition="in" filter="fade">
+                                      <p:cBhvr>
+                                        <p:cTn id="44" dur="500"/>
+                                        <p:tgtEl>
+                                          <p:spTgt spid="20"/>
+                                        </p:tgtEl>
+                                      </p:cBhvr>
+                                    </p:animEffect>
+                                  </p:childTnLst>
+                                </p:cTn>
+                              </p:par>
+                            </p:childTnLst>
+                          </p:cTn>
+                        </p:par>
+                      </p:childTnLst>
+                    </p:cTn>
+                  </p:par>
+                  <p:par>
+                    <p:cTn id="45" fill="hold">
+                      <p:stCondLst>
+                        <p:cond delay="indefinite"/>
+                      </p:stCondLst>
+                      <p:childTnLst>
+                        <p:par>
+                          <p:cTn id="46" fill="hold">
+                            <p:stCondLst>
+                              <p:cond delay="0"/>
+                            </p:stCondLst>
+                            <p:childTnLst>
+                              <p:par>
+                                <p:cTn id="47" presetID="10" presetClass="entr" presetSubtype="0" fill="hold" grpId="0" nodeType="clickEffect">
+                                  <p:stCondLst>
+                                    <p:cond delay="0"/>
+                                  </p:stCondLst>
+                                  <p:childTnLst>
+                                    <p:set>
+                                      <p:cBhvr>
+                                        <p:cTn id="48" dur="1" fill="hold">
+                                          <p:stCondLst>
+                                            <p:cond delay="0"/>
+                                          </p:stCondLst>
+                                        </p:cTn>
+                                        <p:tgtEl>
+                                          <p:spTgt spid="21"/>
+                                        </p:tgtEl>
+                                        <p:attrNameLst>
+                                          <p:attrName>style.visibility</p:attrName>
+                                        </p:attrNameLst>
+                                      </p:cBhvr>
+                                      <p:to>
+                                        <p:strVal val="visible"/>
+                                      </p:to>
+                                    </p:set>
+                                    <p:animEffect transition="in" filter="fade">
+                                      <p:cBhvr>
+                                        <p:cTn id="49" dur="500"/>
+                                        <p:tgtEl>
+                                          <p:spTgt spid="21"/>
+                                        </p:tgtEl>
+                                      </p:cBhvr>
+                                    </p:animEffect>
+                                  </p:childTnLst>
+                                </p:cTn>
+                              </p:par>
+                            </p:childTnLst>
+                          </p:cTn>
+                        </p:par>
+                      </p:childTnLst>
+                    </p:cTn>
+                  </p:par>
+                  <p:par>
+                    <p:cTn id="50" fill="hold">
+                      <p:stCondLst>
+                        <p:cond delay="indefinite"/>
+                      </p:stCondLst>
+                      <p:childTnLst>
+                        <p:par>
+                          <p:cTn id="51" fill="hold">
+                            <p:stCondLst>
+                              <p:cond delay="0"/>
+                            </p:stCondLst>
+                            <p:childTnLst>
+                              <p:par>
+                                <p:cTn id="52" presetID="10" presetClass="entr" presetSubtype="0" fill="hold" grpId="0" nodeType="clickEffect">
+                                  <p:stCondLst>
+                                    <p:cond delay="0"/>
+                                  </p:stCondLst>
+                                  <p:childTnLst>
+                                    <p:set>
+                                      <p:cBhvr>
+                                        <p:cTn id="53" dur="1" fill="hold">
+                                          <p:stCondLst>
+                                            <p:cond delay="0"/>
+                                          </p:stCondLst>
+                                        </p:cTn>
+                                        <p:tgtEl>
+                                          <p:spTgt spid="22"/>
+                                        </p:tgtEl>
+                                        <p:attrNameLst>
+                                          <p:attrName>style.visibility</p:attrName>
+                                        </p:attrNameLst>
+                                      </p:cBhvr>
+                                      <p:to>
+                                        <p:strVal val="visible"/>
+                                      </p:to>
+                                    </p:set>
+                                    <p:animEffect transition="in" filter="fade">
+                                      <p:cBhvr>
+                                        <p:cTn id="54" dur="500"/>
+                                        <p:tgtEl>
+                                          <p:spTgt spid="22"/>
+                                        </p:tgtEl>
+                                      </p:cBhvr>
+                                    </p:animEffect>
+                                  </p:childTnLst>
+                                </p:cTn>
+                              </p:par>
+                            </p:childTnLst>
+                          </p:cTn>
+                        </p:par>
+                      </p:childTnLst>
+                    </p:cTn>
+                  </p:par>
+                  <p:par>
+                    <p:cTn id="55" fill="hold">
+                      <p:stCondLst>
+                        <p:cond delay="indefinite"/>
+                      </p:stCondLst>
+                      <p:childTnLst>
+                        <p:par>
+                          <p:cTn id="56" fill="hold">
+                            <p:stCondLst>
+                              <p:cond delay="0"/>
+                            </p:stCondLst>
+                            <p:childTnLst>
+                              <p:par>
+                                <p:cTn id="57" presetID="10" presetClass="entr" presetSubtype="0" fill="hold" grpId="0" nodeType="clickEffect">
+                                  <p:stCondLst>
+                                    <p:cond delay="0"/>
+                                  </p:stCondLst>
+                                  <p:childTnLst>
+                                    <p:set>
+                                      <p:cBhvr>
+                                        <p:cTn id="58" dur="1" fill="hold">
+                                          <p:stCondLst>
+                                            <p:cond delay="0"/>
+                                          </p:stCondLst>
+                                        </p:cTn>
+                                        <p:tgtEl>
+                                          <p:spTgt spid="23"/>
+                                        </p:tgtEl>
+                                        <p:attrNameLst>
+                                          <p:attrName>style.visibility</p:attrName>
+                                        </p:attrNameLst>
+                                      </p:cBhvr>
+                                      <p:to>
+                                        <p:strVal val="visible"/>
+                                      </p:to>
+                                    </p:set>
+                                    <p:animEffect transition="in" filter="fade">
+                                      <p:cBhvr>
+                                        <p:cTn id="59" dur="500"/>
+                                        <p:tgtEl>
+                                          <p:spTgt spid="23"/>
+                                        </p:tgtEl>
+                                      </p:cBhvr>
+                                    </p:animEffect>
+                                  </p:childTnLst>
+                                </p:cTn>
+                              </p:par>
+                            </p:childTnLst>
+                          </p:cTn>
+                        </p:par>
+                      </p:childTnLst>
+                    </p:cTn>
+                  </p:par>
+                </p:childTnLst>
+              </p:cTn>
+              <p:prevCondLst>
+                <p:cond evt="onPrev" delay="0">
+                  <p:tgtEl>
+                    <p:sldTgt/>
+                  </p:tgtEl>
+                </p:cond>
+              </p:prevCondLst>
+              <p:nextCondLst>
+                <p:cond evt="onNext" delay="0">
+                  <p:tgtEl>
+                    <p:sldTgt/>
+                  </p:tgtEl>
+                </p:cond>
+              </p:nextCondLst>
+            </p:seq>
+          </p:childTnLst>
+        </p:cTn>
+      </p:par>
+    </p:tnLst>
+    <p:bldLst>
+      <p:bldP spid="16" grpId="0"/>
+      <p:bldP spid="18" grpId="0"/>
+      <p:bldP spid="19" grpId="0"/>
+      <p:bldP spid="20" grpId="0"/>
+      <p:bldP spid="21" grpId="0"/>
+      <p:bldP spid="22" grpId="0"/>
+      <p:bldP spid="23" grpId="0"/>
+      <p:bldP spid="24" grpId="0"/>
+      <p:bldP spid="25" grpId="0"/>
+      <p:bldP spid="26" grpId="0"/>
+    </p:bldLst>
+  </p:timing>
 </p:sld>
 </file>
 
@@ -8155,11 +9587,30 @@
             </a:endParaRPr>
           </a:p>
           <a:p>
+            <a:r>
+              <a:rPr lang="de-AT" dirty="0">
+                <a:solidFill>
+                  <a:schemeClr val="bg1"/>
+                </a:solidFill>
+                <a:hlinkClick r:id="rId4"/>
+              </a:rPr>
+              <a:t>https://hivemq.com/blog/mqtt-essentials-part-6-mqtt-quality-of-service-levels/</a:t>
+            </a:r>
             <a:endParaRPr lang="de-AT" dirty="0">
               <a:solidFill>
                 <a:schemeClr val="bg1"/>
               </a:solidFill>
             </a:endParaRPr>
+          </a:p>
+          <a:p>
+            <a:r>
+              <a:rPr lang="de-AT" dirty="0">
+                <a:solidFill>
+                  <a:schemeClr val="bg1"/>
+                </a:solidFill>
+              </a:rPr>
+              <a:t>https://i-flow.io/ressources/mqtt-quality-of-service-qos-anwendungsfaelle-und-beispiele/</a:t>
+            </a:r>
           </a:p>
         </p:txBody>
       </p:sp>

--- a/SEW-Theorie/MQTT.pptx
+++ b/SEW-Theorie/MQTT.pptx
@@ -223,7 +223,7 @@
           <a:p>
             <a:fld id="{EEF96EEC-DAF9-4673-9EBF-DD59A418AC0B}" type="datetimeFigureOut">
               <a:rPr lang="de-AT" smtClean="0"/>
-              <a:t>05.01.2025</a:t>
+              <a:t>07.01.2025</a:t>
             </a:fld>
             <a:endParaRPr lang="de-AT"/>
           </a:p>
@@ -400,7 +400,7 @@
           <a:p>
             <a:fld id="{742B73E5-69D7-4534-828B-00C11B58432D}" type="datetimeFigureOut">
               <a:rPr lang="de-AT" smtClean="0"/>
-              <a:t>05.01.2025</a:t>
+              <a:t>07.01.2025</a:t>
             </a:fld>
             <a:endParaRPr lang="de-AT"/>
           </a:p>
@@ -1388,7 +1388,7 @@
           <a:p>
             <a:fld id="{1CF8E907-BBCB-40B4-B3CF-34F68D22DA81}" type="datetimeFigureOut">
               <a:rPr lang="de-AT" smtClean="0"/>
-              <a:t>05.01.2025</a:t>
+              <a:t>07.01.2025</a:t>
             </a:fld>
             <a:endParaRPr lang="de-AT"/>
           </a:p>
@@ -1588,7 +1588,7 @@
           <a:p>
             <a:fld id="{1CF8E907-BBCB-40B4-B3CF-34F68D22DA81}" type="datetimeFigureOut">
               <a:rPr lang="de-AT" smtClean="0"/>
-              <a:t>05.01.2025</a:t>
+              <a:t>07.01.2025</a:t>
             </a:fld>
             <a:endParaRPr lang="de-AT"/>
           </a:p>
@@ -1798,7 +1798,7 @@
           <a:p>
             <a:fld id="{1CF8E907-BBCB-40B4-B3CF-34F68D22DA81}" type="datetimeFigureOut">
               <a:rPr lang="de-AT" smtClean="0"/>
-              <a:t>05.01.2025</a:t>
+              <a:t>07.01.2025</a:t>
             </a:fld>
             <a:endParaRPr lang="de-AT"/>
           </a:p>
@@ -1998,7 +1998,7 @@
           <a:p>
             <a:fld id="{1CF8E907-BBCB-40B4-B3CF-34F68D22DA81}" type="datetimeFigureOut">
               <a:rPr lang="de-AT" smtClean="0"/>
-              <a:t>05.01.2025</a:t>
+              <a:t>07.01.2025</a:t>
             </a:fld>
             <a:endParaRPr lang="de-AT"/>
           </a:p>
@@ -2274,7 +2274,7 @@
           <a:p>
             <a:fld id="{1CF8E907-BBCB-40B4-B3CF-34F68D22DA81}" type="datetimeFigureOut">
               <a:rPr lang="de-AT" smtClean="0"/>
-              <a:t>05.01.2025</a:t>
+              <a:t>07.01.2025</a:t>
             </a:fld>
             <a:endParaRPr lang="de-AT"/>
           </a:p>
@@ -2542,7 +2542,7 @@
           <a:p>
             <a:fld id="{1CF8E907-BBCB-40B4-B3CF-34F68D22DA81}" type="datetimeFigureOut">
               <a:rPr lang="de-AT" smtClean="0"/>
-              <a:t>05.01.2025</a:t>
+              <a:t>07.01.2025</a:t>
             </a:fld>
             <a:endParaRPr lang="de-AT"/>
           </a:p>
@@ -2957,7 +2957,7 @@
           <a:p>
             <a:fld id="{1CF8E907-BBCB-40B4-B3CF-34F68D22DA81}" type="datetimeFigureOut">
               <a:rPr lang="de-AT" smtClean="0"/>
-              <a:t>05.01.2025</a:t>
+              <a:t>07.01.2025</a:t>
             </a:fld>
             <a:endParaRPr lang="de-AT"/>
           </a:p>
@@ -3099,7 +3099,7 @@
           <a:p>
             <a:fld id="{1CF8E907-BBCB-40B4-B3CF-34F68D22DA81}" type="datetimeFigureOut">
               <a:rPr lang="de-AT" smtClean="0"/>
-              <a:t>05.01.2025</a:t>
+              <a:t>07.01.2025</a:t>
             </a:fld>
             <a:endParaRPr lang="de-AT"/>
           </a:p>
@@ -3212,7 +3212,7 @@
           <a:p>
             <a:fld id="{1CF8E907-BBCB-40B4-B3CF-34F68D22DA81}" type="datetimeFigureOut">
               <a:rPr lang="de-AT" smtClean="0"/>
-              <a:t>05.01.2025</a:t>
+              <a:t>07.01.2025</a:t>
             </a:fld>
             <a:endParaRPr lang="de-AT"/>
           </a:p>
@@ -3525,7 +3525,7 @@
           <a:p>
             <a:fld id="{1CF8E907-BBCB-40B4-B3CF-34F68D22DA81}" type="datetimeFigureOut">
               <a:rPr lang="de-AT" smtClean="0"/>
-              <a:t>05.01.2025</a:t>
+              <a:t>07.01.2025</a:t>
             </a:fld>
             <a:endParaRPr lang="de-AT"/>
           </a:p>
@@ -3814,7 +3814,7 @@
           <a:p>
             <a:fld id="{1CF8E907-BBCB-40B4-B3CF-34F68D22DA81}" type="datetimeFigureOut">
               <a:rPr lang="de-AT" smtClean="0"/>
-              <a:t>05.01.2025</a:t>
+              <a:t>07.01.2025</a:t>
             </a:fld>
             <a:endParaRPr lang="de-AT"/>
           </a:p>
@@ -4060,7 +4060,7 @@
           <a:p>
             <a:fld id="{1CF8E907-BBCB-40B4-B3CF-34F68D22DA81}" type="datetimeFigureOut">
               <a:rPr lang="de-AT" smtClean="0"/>
-              <a:t>05.01.2025</a:t>
+              <a:t>07.01.2025</a:t>
             </a:fld>
             <a:endParaRPr lang="de-AT"/>
           </a:p>
@@ -8083,17 +8083,19 @@
         </p:nvSpPr>
         <p:spPr/>
         <p:txBody>
-          <a:bodyPr/>
-          <a:lstStyle/>
-          <a:p>
-            <a:pPr marL="0" indent="0">
-              <a:buNone/>
-            </a:pPr>
-            <a:endParaRPr lang="de-AT" dirty="0">
-              <a:solidFill>
-                <a:schemeClr val="bg1"/>
-              </a:solidFill>
-            </a:endParaRPr>
+          <a:bodyPr>
+            <a:normAutofit/>
+          </a:bodyPr>
+          <a:lstStyle/>
+          <a:p>
+            <a:r>
+              <a:rPr lang="de-AT" dirty="0">
+                <a:solidFill>
+                  <a:schemeClr val="bg1"/>
+                </a:solidFill>
+              </a:rPr>
+              <a:t> </a:t>
+            </a:r>
           </a:p>
         </p:txBody>
       </p:sp>
@@ -9608,9 +9610,15 @@
                 <a:solidFill>
                   <a:schemeClr val="bg1"/>
                 </a:solidFill>
+                <a:hlinkClick r:id="rId5"/>
               </a:rPr>
               <a:t>https://i-flow.io/ressources/mqtt-quality-of-service-qos-anwendungsfaelle-und-beispiele/</a:t>
             </a:r>
+            <a:endParaRPr lang="de-AT" dirty="0">
+              <a:solidFill>
+                <a:schemeClr val="bg1"/>
+              </a:solidFill>
+            </a:endParaRPr>
           </a:p>
         </p:txBody>
       </p:sp>

--- a/SEW-Theorie/MQTT.pptx
+++ b/SEW-Theorie/MQTT.pptx
@@ -5,10 +5,10 @@
     <p:sldMasterId id="2147483648" r:id="rId1"/>
   </p:sldMasterIdLst>
   <p:notesMasterIdLst>
-    <p:notesMasterId r:id="rId11"/>
+    <p:notesMasterId r:id="rId12"/>
   </p:notesMasterIdLst>
   <p:handoutMasterIdLst>
-    <p:handoutMasterId r:id="rId12"/>
+    <p:handoutMasterId r:id="rId13"/>
   </p:handoutMasterIdLst>
   <p:sldIdLst>
     <p:sldId id="256" r:id="rId2"/>
@@ -17,9 +17,10 @@
     <p:sldId id="260" r:id="rId5"/>
     <p:sldId id="265" r:id="rId6"/>
     <p:sldId id="259" r:id="rId7"/>
-    <p:sldId id="262" r:id="rId8"/>
-    <p:sldId id="263" r:id="rId9"/>
-    <p:sldId id="266" r:id="rId10"/>
+    <p:sldId id="263" r:id="rId8"/>
+    <p:sldId id="262" r:id="rId9"/>
+    <p:sldId id="267" r:id="rId10"/>
+    <p:sldId id="266" r:id="rId11"/>
   </p:sldIdLst>
   <p:sldSz cx="12192000" cy="6858000"/>
   <p:notesSz cx="6858000" cy="9144000"/>
@@ -223,7 +224,7 @@
           <a:p>
             <a:fld id="{EEF96EEC-DAF9-4673-9EBF-DD59A418AC0B}" type="datetimeFigureOut">
               <a:rPr lang="de-AT" smtClean="0"/>
-              <a:t>07.01.2025</a:t>
+              <a:t>13.01.2025</a:t>
             </a:fld>
             <a:endParaRPr lang="de-AT"/>
           </a:p>
@@ -400,7 +401,7 @@
           <a:p>
             <a:fld id="{742B73E5-69D7-4534-828B-00C11B58432D}" type="datetimeFigureOut">
               <a:rPr lang="de-AT" smtClean="0"/>
-              <a:t>07.01.2025</a:t>
+              <a:t>13.01.2025</a:t>
             </a:fld>
             <a:endParaRPr lang="de-AT"/>
           </a:p>
@@ -796,7 +797,188 @@
           <a:bodyPr/>
           <a:lstStyle/>
           <a:p>
-            <a:endParaRPr lang="de-AT"/>
+            <a:pPr>
+              <a:buFont typeface="Arial" panose="020B0604020202020204" pitchFamily="34" charset="0"/>
+              <a:buChar char="•"/>
+            </a:pPr>
+            <a:r>
+              <a:rPr lang="de-DE" b="1" dirty="0"/>
+              <a:t>Was ist MQTT?</a:t>
+            </a:r>
+            <a:endParaRPr lang="de-DE" dirty="0"/>
+          </a:p>
+          <a:p>
+            <a:pPr marL="742950" lvl="1" indent="-285750">
+              <a:buFont typeface="Arial" panose="020B0604020202020204" pitchFamily="34" charset="0"/>
+              <a:buChar char="•"/>
+            </a:pPr>
+            <a:r>
+              <a:rPr lang="de-DE" dirty="0"/>
+              <a:t>Ein leichtgewichtiges Protokoll für </a:t>
+            </a:r>
+            <a:r>
+              <a:rPr lang="de-DE" dirty="0" err="1"/>
+              <a:t>Machine-to-Machine</a:t>
+            </a:r>
+            <a:r>
+              <a:rPr lang="de-DE" dirty="0"/>
+              <a:t> (M2M)- und IoT-Kommunikation.</a:t>
+            </a:r>
+          </a:p>
+          <a:p>
+            <a:pPr marL="742950" lvl="1" indent="-285750">
+              <a:buFont typeface="Arial" panose="020B0604020202020204" pitchFamily="34" charset="0"/>
+              <a:buChar char="•"/>
+            </a:pPr>
+            <a:r>
+              <a:rPr lang="de-DE" dirty="0"/>
+              <a:t>Optimiert für eingeschränkte Geräte und Netzwerke mit geringer Bandbreite.</a:t>
+            </a:r>
+          </a:p>
+          <a:p>
+            <a:pPr marL="457200" lvl="1" indent="0">
+              <a:buFont typeface="Arial" panose="020B0604020202020204" pitchFamily="34" charset="0"/>
+              <a:buNone/>
+            </a:pPr>
+            <a:endParaRPr lang="de-DE" dirty="0"/>
+          </a:p>
+          <a:p>
+            <a:pPr>
+              <a:buFont typeface="Arial" panose="020B0604020202020204" pitchFamily="34" charset="0"/>
+              <a:buChar char="•"/>
+            </a:pPr>
+            <a:r>
+              <a:rPr lang="de-DE" b="1" dirty="0"/>
+              <a:t>Teilnehmer</a:t>
+            </a:r>
+            <a:r>
+              <a:rPr lang="de-DE" dirty="0"/>
+              <a:t>:</a:t>
+            </a:r>
+          </a:p>
+          <a:p>
+            <a:pPr marL="742950" lvl="1" indent="-285750">
+              <a:buFont typeface="Arial" panose="020B0604020202020204" pitchFamily="34" charset="0"/>
+              <a:buChar char="•"/>
+            </a:pPr>
+            <a:r>
+              <a:rPr lang="de-DE" b="1" dirty="0"/>
+              <a:t>Publisher</a:t>
+            </a:r>
+            <a:r>
+              <a:rPr lang="de-DE" dirty="0"/>
+              <a:t>: Sendet Nachrichten zu einem spezifischen </a:t>
+            </a:r>
+            <a:r>
+              <a:rPr lang="de-DE" b="1" dirty="0"/>
+              <a:t>Topic</a:t>
+            </a:r>
+            <a:r>
+              <a:rPr lang="de-DE" dirty="0"/>
+              <a:t>.</a:t>
+            </a:r>
+          </a:p>
+          <a:p>
+            <a:pPr marL="742950" lvl="1" indent="-285750">
+              <a:buFont typeface="Arial" panose="020B0604020202020204" pitchFamily="34" charset="0"/>
+              <a:buChar char="•"/>
+            </a:pPr>
+            <a:r>
+              <a:rPr lang="de-DE" b="1" dirty="0"/>
+              <a:t>Subscriber</a:t>
+            </a:r>
+            <a:r>
+              <a:rPr lang="de-DE" dirty="0"/>
+              <a:t>: Abonniert Topics, um relevante Nachrichten zu empfangen.</a:t>
+            </a:r>
+          </a:p>
+          <a:p>
+            <a:pPr marL="742950" lvl="1" indent="-285750">
+              <a:buFont typeface="Arial" panose="020B0604020202020204" pitchFamily="34" charset="0"/>
+              <a:buChar char="•"/>
+            </a:pPr>
+            <a:r>
+              <a:rPr lang="de-DE" b="1" dirty="0"/>
+              <a:t>MQTT-Broker</a:t>
+            </a:r>
+            <a:r>
+              <a:rPr lang="de-DE" dirty="0"/>
+              <a:t>: Vermittelt Nachrichten zwischen Publishern und </a:t>
+            </a:r>
+            <a:r>
+              <a:rPr lang="de-DE" dirty="0" err="1"/>
+              <a:t>Subscribern</a:t>
+            </a:r>
+            <a:r>
+              <a:rPr lang="de-DE" dirty="0"/>
+              <a:t>.</a:t>
+            </a:r>
+          </a:p>
+          <a:p>
+            <a:pPr marL="457200" lvl="1" indent="0">
+              <a:buFont typeface="Arial" panose="020B0604020202020204" pitchFamily="34" charset="0"/>
+              <a:buNone/>
+            </a:pPr>
+            <a:endParaRPr lang="de-DE" dirty="0"/>
+          </a:p>
+          <a:p>
+            <a:pPr>
+              <a:buFont typeface="Arial" panose="020B0604020202020204" pitchFamily="34" charset="0"/>
+              <a:buChar char="•"/>
+            </a:pPr>
+            <a:r>
+              <a:rPr lang="de-DE" b="1" dirty="0"/>
+              <a:t>Vorteile</a:t>
+            </a:r>
+            <a:r>
+              <a:rPr lang="de-DE" dirty="0"/>
+              <a:t>:</a:t>
+            </a:r>
+          </a:p>
+          <a:p>
+            <a:pPr marL="742950" lvl="1" indent="-285750">
+              <a:buFont typeface="Arial" panose="020B0604020202020204" pitchFamily="34" charset="0"/>
+              <a:buChar char="•"/>
+            </a:pPr>
+            <a:r>
+              <a:rPr lang="de-DE" b="1" dirty="0"/>
+              <a:t>Skalierbarkeit</a:t>
+            </a:r>
+            <a:r>
+              <a:rPr lang="de-DE" dirty="0"/>
+              <a:t>: Unterstützt viele Clients gleichzeitig.</a:t>
+            </a:r>
+          </a:p>
+          <a:p>
+            <a:pPr marL="742950" lvl="1" indent="-285750">
+              <a:buFont typeface="Arial" panose="020B0604020202020204" pitchFamily="34" charset="0"/>
+              <a:buChar char="•"/>
+            </a:pPr>
+            <a:r>
+              <a:rPr lang="de-DE" b="1" dirty="0"/>
+              <a:t>Flexibilität</a:t>
+            </a:r>
+            <a:r>
+              <a:rPr lang="de-DE" dirty="0"/>
+              <a:t>: Topics ermöglichen themenspezifische Kommunikation.</a:t>
+            </a:r>
+          </a:p>
+          <a:p>
+            <a:pPr marL="742950" lvl="1" indent="-285750">
+              <a:buFont typeface="Arial" panose="020B0604020202020204" pitchFamily="34" charset="0"/>
+              <a:buChar char="•"/>
+            </a:pPr>
+            <a:r>
+              <a:rPr lang="de-DE" b="1" dirty="0"/>
+              <a:t>Ressourcensparend</a:t>
+            </a:r>
+            <a:r>
+              <a:rPr lang="de-DE" dirty="0"/>
+              <a:t>: Reduzierter Overhead und geringer Stromverbrauch.</a:t>
+            </a:r>
+          </a:p>
+          <a:p>
+            <a:endParaRPr lang="de-AT" dirty="0"/>
           </a:p>
         </p:txBody>
       </p:sp>
@@ -898,7 +1080,140 @@
           <a:bodyPr/>
           <a:lstStyle/>
           <a:p>
-            <a:endParaRPr lang="de-AT"/>
+            <a:pPr>
+              <a:buFont typeface="Arial" panose="020B0604020202020204" pitchFamily="34" charset="0"/>
+              <a:buChar char="•"/>
+            </a:pPr>
+            <a:r>
+              <a:rPr lang="de-DE" b="1" dirty="0"/>
+              <a:t>Akteure und </a:t>
+            </a:r>
+            <a:r>
+              <a:rPr lang="de-DE" b="1" dirty="0" err="1"/>
+              <a:t>Beispiele</a:t>
+            </a:r>
+            <a:r>
+              <a:rPr lang="de-DE" dirty="0" err="1"/>
+              <a:t>:</a:t>
+            </a:r>
+            <a:r>
+              <a:rPr lang="de-DE" b="1" dirty="0" err="1"/>
+              <a:t>Publisher</a:t>
+            </a:r>
+            <a:r>
+              <a:rPr lang="de-DE" dirty="0"/>
+              <a:t>: Sensoren (z. B. Temperatur-, Luftfeuchtigkeits-, Bewegungssensoren).</a:t>
+            </a:r>
+          </a:p>
+          <a:p>
+            <a:pPr>
+              <a:buFont typeface="Arial" panose="020B0604020202020204" pitchFamily="34" charset="0"/>
+              <a:buNone/>
+            </a:pPr>
+            <a:endParaRPr lang="de-DE" dirty="0"/>
+          </a:p>
+          <a:p>
+            <a:pPr>
+              <a:buFont typeface="Arial" panose="020B0604020202020204" pitchFamily="34" charset="0"/>
+              <a:buChar char="•"/>
+            </a:pPr>
+            <a:r>
+              <a:rPr lang="de-DE" b="1" dirty="0"/>
+              <a:t>Subscriber</a:t>
+            </a:r>
+            <a:r>
+              <a:rPr lang="de-DE" dirty="0"/>
+              <a:t>: Aktoren oder Anwendungen (z. B. Heizungssteuerung, Benachrichtigungsdienste).</a:t>
+            </a:r>
+          </a:p>
+          <a:p>
+            <a:pPr>
+              <a:buFont typeface="Arial" panose="020B0604020202020204" pitchFamily="34" charset="0"/>
+              <a:buNone/>
+            </a:pPr>
+            <a:endParaRPr lang="de-DE" dirty="0"/>
+          </a:p>
+          <a:p>
+            <a:pPr>
+              <a:buFont typeface="Arial" panose="020B0604020202020204" pitchFamily="34" charset="0"/>
+              <a:buChar char="•"/>
+            </a:pPr>
+            <a:r>
+              <a:rPr lang="de-DE" b="1" dirty="0"/>
+              <a:t>Broker</a:t>
+            </a:r>
+            <a:r>
+              <a:rPr lang="de-DE" dirty="0"/>
+              <a:t>: Zentraler Vermittler für Nachrichten (z. B. </a:t>
+            </a:r>
+            <a:r>
+              <a:rPr lang="de-DE" dirty="0" err="1"/>
+              <a:t>HiveMQ</a:t>
+            </a:r>
+            <a:r>
+              <a:rPr lang="de-DE" dirty="0"/>
+              <a:t>, </a:t>
+            </a:r>
+            <a:r>
+              <a:rPr lang="de-DE" dirty="0" err="1"/>
+              <a:t>Mosquitto</a:t>
+            </a:r>
+            <a:r>
+              <a:rPr lang="de-DE" dirty="0"/>
+              <a:t>).</a:t>
+            </a:r>
+          </a:p>
+          <a:p>
+            <a:pPr>
+              <a:buFont typeface="Arial" panose="020B0604020202020204" pitchFamily="34" charset="0"/>
+              <a:buNone/>
+            </a:pPr>
+            <a:endParaRPr lang="de-DE" dirty="0"/>
+          </a:p>
+          <a:p>
+            <a:pPr>
+              <a:buFont typeface="Arial" panose="020B0604020202020204" pitchFamily="34" charset="0"/>
+              <a:buChar char="•"/>
+            </a:pPr>
+            <a:r>
+              <a:rPr lang="de-DE" b="1" dirty="0"/>
+              <a:t>Beispielablauf</a:t>
+            </a:r>
+            <a:r>
+              <a:rPr lang="de-DE" dirty="0"/>
+              <a:t>:</a:t>
+            </a:r>
+          </a:p>
+          <a:p>
+            <a:pPr lvl="1">
+              <a:buFont typeface="Arial" panose="020B0604020202020204" pitchFamily="34" charset="0"/>
+              <a:buChar char="•"/>
+            </a:pPr>
+            <a:r>
+              <a:rPr lang="de-DE" dirty="0"/>
+              <a:t>Sensor X misst Temperatur (22°C) und sendet sie an das Topic </a:t>
+            </a:r>
+            <a:r>
+              <a:rPr lang="de-DE" dirty="0" err="1"/>
+              <a:t>temp</a:t>
+            </a:r>
+            <a:r>
+              <a:rPr lang="de-DE" dirty="0"/>
+              <a:t>.</a:t>
+            </a:r>
+          </a:p>
+          <a:p>
+            <a:pPr lvl="1">
+              <a:buFont typeface="Arial" panose="020B0604020202020204" pitchFamily="34" charset="0"/>
+              <a:buChar char="•"/>
+            </a:pPr>
+            <a:r>
+              <a:rPr lang="de-DE" dirty="0"/>
+              <a:t>Client Y (Subscriber) empfängt die Nachricht über das abonnierte Topic.</a:t>
+            </a:r>
+          </a:p>
+          <a:p>
+            <a:endParaRPr lang="de-AT" dirty="0"/>
           </a:p>
         </p:txBody>
       </p:sp>
@@ -988,7 +1303,104 @@
           <a:bodyPr/>
           <a:lstStyle/>
           <a:p>
-            <a:endParaRPr lang="de-AT"/>
+            <a:pPr>
+              <a:buFont typeface="Arial" panose="020B0604020202020204" pitchFamily="34" charset="0"/>
+              <a:buChar char="•"/>
+            </a:pPr>
+            <a:r>
+              <a:rPr lang="de-AT" b="1" dirty="0"/>
+              <a:t>Hierarchische Struktur</a:t>
+            </a:r>
+            <a:r>
+              <a:rPr lang="de-AT" dirty="0"/>
+              <a:t>:</a:t>
+            </a:r>
+          </a:p>
+          <a:p>
+            <a:pPr lvl="1">
+              <a:buFont typeface="Arial" panose="020B0604020202020204" pitchFamily="34" charset="0"/>
+              <a:buChar char="•"/>
+            </a:pPr>
+            <a:r>
+              <a:rPr lang="de-AT" dirty="0"/>
+              <a:t>Beispiel: Vehicle/</a:t>
+            </a:r>
+            <a:r>
+              <a:rPr lang="de-AT" dirty="0" err="1"/>
+              <a:t>motor</a:t>
+            </a:r>
+            <a:r>
+              <a:rPr lang="de-AT" dirty="0"/>
+              <a:t>/power -&gt; 150.</a:t>
+            </a:r>
+          </a:p>
+          <a:p>
+            <a:pPr lvl="1">
+              <a:buFont typeface="Arial" panose="020B0604020202020204" pitchFamily="34" charset="0"/>
+              <a:buChar char="•"/>
+            </a:pPr>
+            <a:r>
+              <a:rPr lang="de-AT" dirty="0"/>
+              <a:t>Ermöglicht thematische Unterteilungen.</a:t>
+            </a:r>
+          </a:p>
+          <a:p>
+            <a:pPr lvl="1">
+              <a:buFont typeface="Arial" panose="020B0604020202020204" pitchFamily="34" charset="0"/>
+              <a:buNone/>
+            </a:pPr>
+            <a:endParaRPr lang="de-AT" dirty="0"/>
+          </a:p>
+          <a:p>
+            <a:pPr>
+              <a:buFont typeface="Arial" panose="020B0604020202020204" pitchFamily="34" charset="0"/>
+              <a:buChar char="•"/>
+            </a:pPr>
+            <a:r>
+              <a:rPr lang="de-AT" b="1" dirty="0"/>
+              <a:t>Wildcards</a:t>
+            </a:r>
+            <a:r>
+              <a:rPr lang="de-AT" dirty="0"/>
+              <a:t>:</a:t>
+            </a:r>
+          </a:p>
+          <a:p>
+            <a:pPr lvl="1">
+              <a:buFont typeface="Arial" panose="020B0604020202020204" pitchFamily="34" charset="0"/>
+              <a:buChar char="•"/>
+            </a:pPr>
+            <a:r>
+              <a:rPr lang="de-AT" dirty="0"/>
+              <a:t>+: Platzhalter für eine Ebene (z. B. Vehicle/+/power).</a:t>
+            </a:r>
+          </a:p>
+          <a:p>
+            <a:pPr lvl="1">
+              <a:buFont typeface="Arial" panose="020B0604020202020204" pitchFamily="34" charset="0"/>
+              <a:buChar char="•"/>
+            </a:pPr>
+            <a:r>
+              <a:rPr lang="de-AT" dirty="0"/>
+              <a:t>#: Platzhalter für mehrere Ebenen (z. B. Vehicle/#).</a:t>
+            </a:r>
+          </a:p>
+          <a:p>
+            <a:pPr lvl="1">
+              <a:buFont typeface="Arial" panose="020B0604020202020204" pitchFamily="34" charset="0"/>
+              <a:buNone/>
+            </a:pPr>
+            <a:endParaRPr lang="de-AT" dirty="0"/>
+          </a:p>
+          <a:p>
+            <a:pPr>
+              <a:buFont typeface="Arial" panose="020B0604020202020204" pitchFamily="34" charset="0"/>
+              <a:buNone/>
+            </a:pPr>
+            <a:endParaRPr lang="de-AT" dirty="0"/>
+          </a:p>
+          <a:p>
+            <a:endParaRPr lang="de-AT" dirty="0"/>
           </a:p>
         </p:txBody>
       </p:sp>
@@ -1072,10 +1484,92 @@
           <a:bodyPr/>
           <a:lstStyle/>
           <a:p>
+            <a:pPr>
+              <a:buFont typeface="Arial" panose="020B0604020202020204" pitchFamily="34" charset="0"/>
+              <a:buChar char="•"/>
+            </a:pPr>
+            <a:r>
+              <a:rPr lang="de-AT" b="1" dirty="0"/>
+              <a:t>Header-Inhalte</a:t>
+            </a:r>
             <a:r>
               <a:rPr lang="de-AT" dirty="0"/>
-              <a:t>https://www.opc-router.de/was-ist-mqtt/</a:t>
-            </a:r>
+              <a:t>: Kontrolltyp (z. B. PUBLISH, SUBSCRIBE, UNSUBSCRIBE).</a:t>
+            </a:r>
+          </a:p>
+          <a:p>
+            <a:pPr>
+              <a:buFont typeface="Arial" panose="020B0604020202020204" pitchFamily="34" charset="0"/>
+              <a:buNone/>
+            </a:pPr>
+            <a:endParaRPr lang="de-AT" dirty="0"/>
+          </a:p>
+          <a:p>
+            <a:pPr>
+              <a:buFont typeface="Arial" panose="020B0604020202020204" pitchFamily="34" charset="0"/>
+              <a:buChar char="•"/>
+            </a:pPr>
+            <a:r>
+              <a:rPr lang="de-AT" dirty="0"/>
+              <a:t>Flags und Länge.</a:t>
+            </a:r>
+          </a:p>
+          <a:p>
+            <a:pPr>
+              <a:buFont typeface="Arial" panose="020B0604020202020204" pitchFamily="34" charset="0"/>
+              <a:buNone/>
+            </a:pPr>
+            <a:endParaRPr lang="de-AT" dirty="0"/>
+          </a:p>
+          <a:p>
+            <a:pPr>
+              <a:buFont typeface="Arial" panose="020B0604020202020204" pitchFamily="34" charset="0"/>
+              <a:buChar char="•"/>
+            </a:pPr>
+            <a:r>
+              <a:rPr lang="de-AT" b="1" dirty="0"/>
+              <a:t>Variable </a:t>
+            </a:r>
+            <a:r>
+              <a:rPr lang="de-AT" b="1" dirty="0" err="1"/>
+              <a:t>Header</a:t>
+            </a:r>
+            <a:r>
+              <a:rPr lang="de-AT" dirty="0" err="1"/>
+              <a:t>:Enthält</a:t>
+            </a:r>
+            <a:r>
+              <a:rPr lang="de-AT" dirty="0"/>
+              <a:t> Informationen wie Topic-Namen und Paket-IDs.</a:t>
+            </a:r>
+          </a:p>
+          <a:p>
+            <a:pPr>
+              <a:buFont typeface="Arial" panose="020B0604020202020204" pitchFamily="34" charset="0"/>
+              <a:buNone/>
+            </a:pPr>
+            <a:endParaRPr lang="de-AT" dirty="0"/>
+          </a:p>
+          <a:p>
+            <a:pPr>
+              <a:buFont typeface="Arial" panose="020B0604020202020204" pitchFamily="34" charset="0"/>
+              <a:buChar char="•"/>
+            </a:pPr>
+            <a:r>
+              <a:rPr lang="de-AT" b="1" dirty="0" err="1"/>
+              <a:t>Payload</a:t>
+            </a:r>
+            <a:r>
+              <a:rPr lang="de-AT" dirty="0" err="1"/>
+              <a:t>:Transportierte</a:t>
+            </a:r>
+            <a:r>
+              <a:rPr lang="de-AT" dirty="0"/>
+              <a:t> Daten, z. B. 22°C für ein Thermometer.</a:t>
+            </a:r>
+          </a:p>
+          <a:p>
+            <a:endParaRPr lang="de-AT" dirty="0"/>
           </a:p>
         </p:txBody>
       </p:sp>
@@ -1096,7 +1590,7 @@
           <a:p>
             <a:fld id="{354AB613-57A8-480D-BB00-056F2090D4AB}" type="slidenum">
               <a:rPr lang="de-AT" smtClean="0"/>
-              <a:t>6</a:t>
+              <a:t>5</a:t>
             </a:fld>
             <a:endParaRPr lang="de-AT"/>
           </a:p>
@@ -1105,7 +1599,7 @@
     </p:spTree>
     <p:extLst>
       <p:ext uri="{BB962C8B-B14F-4D97-AF65-F5344CB8AC3E}">
-        <p14:creationId xmlns:p14="http://schemas.microsoft.com/office/powerpoint/2010/main" val="1571331210"/>
+        <p14:creationId xmlns:p14="http://schemas.microsoft.com/office/powerpoint/2010/main" val="2191222720"/>
       </p:ext>
     </p:extLst>
   </p:cSld>
@@ -1159,6 +1653,455 @@
           <a:bodyPr/>
           <a:lstStyle/>
           <a:p>
+            <a:pPr>
+              <a:buFont typeface="Arial" panose="020B0604020202020204" pitchFamily="34" charset="0"/>
+              <a:buChar char="•"/>
+            </a:pPr>
+            <a:r>
+              <a:rPr lang="de-DE" b="1" dirty="0"/>
+              <a:t>Smart Home</a:t>
+            </a:r>
+            <a:r>
+              <a:rPr lang="de-DE" dirty="0"/>
+              <a:t>: Steuerung von Beleuchtung, Thermostaten, Türschlössern.</a:t>
+            </a:r>
+          </a:p>
+          <a:p>
+            <a:pPr lvl="1">
+              <a:buFont typeface="Arial" panose="020B0604020202020204" pitchFamily="34" charset="0"/>
+              <a:buChar char="•"/>
+            </a:pPr>
+            <a:r>
+              <a:rPr lang="de-DE" dirty="0"/>
+              <a:t> Beispiel: Ein Bewegungssensor aktiviert das Licht über MQTT.</a:t>
+            </a:r>
+          </a:p>
+          <a:p>
+            <a:pPr lvl="1">
+              <a:buFont typeface="Arial" panose="020B0604020202020204" pitchFamily="34" charset="0"/>
+              <a:buNone/>
+            </a:pPr>
+            <a:endParaRPr lang="de-DE" dirty="0"/>
+          </a:p>
+          <a:p>
+            <a:pPr>
+              <a:buFont typeface="Arial" panose="020B0604020202020204" pitchFamily="34" charset="0"/>
+              <a:buChar char="•"/>
+            </a:pPr>
+            <a:r>
+              <a:rPr lang="de-DE" b="1" dirty="0"/>
+              <a:t>Smart Cities</a:t>
+            </a:r>
+            <a:r>
+              <a:rPr lang="de-DE" dirty="0"/>
+              <a:t>: Verkehrsmanagement, Abfallüberwachung, Umweltsensoren.</a:t>
+            </a:r>
+          </a:p>
+          <a:p>
+            <a:pPr lvl="1">
+              <a:buFont typeface="Arial" panose="020B0604020202020204" pitchFamily="34" charset="0"/>
+              <a:buChar char="•"/>
+            </a:pPr>
+            <a:r>
+              <a:rPr lang="de-DE" dirty="0"/>
+              <a:t> Beispiel: Sensoren melden Füllstände von Mülltonnen an die Stadtverwaltung.</a:t>
+            </a:r>
+          </a:p>
+          <a:p>
+            <a:pPr lvl="1">
+              <a:buFont typeface="Arial" panose="020B0604020202020204" pitchFamily="34" charset="0"/>
+              <a:buNone/>
+            </a:pPr>
+            <a:endParaRPr lang="de-DE" dirty="0"/>
+          </a:p>
+          <a:p>
+            <a:pPr lvl="0">
+              <a:buFont typeface="Arial" panose="020B0604020202020204" pitchFamily="34" charset="0"/>
+              <a:buChar char="•"/>
+            </a:pPr>
+            <a:r>
+              <a:rPr lang="de-DE" b="1" dirty="0"/>
+              <a:t>Landwirtschaft:</a:t>
+            </a:r>
+          </a:p>
+          <a:p>
+            <a:pPr lvl="1">
+              <a:buFont typeface="Arial" panose="020B0604020202020204" pitchFamily="34" charset="0"/>
+              <a:buChar char="•"/>
+            </a:pPr>
+            <a:r>
+              <a:rPr lang="de-DE" b="0" dirty="0"/>
+              <a:t> Bewässerungssysteme</a:t>
+            </a:r>
+          </a:p>
+          <a:p>
+            <a:pPr lvl="1">
+              <a:buFont typeface="Arial" panose="020B0604020202020204" pitchFamily="34" charset="0"/>
+              <a:buChar char="•"/>
+            </a:pPr>
+            <a:r>
+              <a:rPr lang="de-DE" b="0" dirty="0"/>
+              <a:t> Tierüberwachung</a:t>
+            </a:r>
+          </a:p>
+          <a:p>
+            <a:pPr lvl="1">
+              <a:buFont typeface="Arial" panose="020B0604020202020204" pitchFamily="34" charset="0"/>
+              <a:buChar char="•"/>
+            </a:pPr>
+            <a:r>
+              <a:rPr lang="de-DE" b="0" dirty="0"/>
+              <a:t> Klimamanagement: Temperatur / Luftfeuchtigkeitsmesser</a:t>
+            </a:r>
+          </a:p>
+        </p:txBody>
+      </p:sp>
+      <p:sp>
+        <p:nvSpPr>
+          <p:cNvPr id="4" name="Foliennummernplatzhalter 3"/>
+          <p:cNvSpPr>
+            <a:spLocks noGrp="1"/>
+          </p:cNvSpPr>
+          <p:nvPr>
+            <p:ph type="sldNum" sz="quarter" idx="5"/>
+          </p:nvPr>
+        </p:nvSpPr>
+        <p:spPr/>
+        <p:txBody>
+          <a:bodyPr/>
+          <a:lstStyle/>
+          <a:p>
+            <a:fld id="{354AB613-57A8-480D-BB00-056F2090D4AB}" type="slidenum">
+              <a:rPr lang="de-AT" smtClean="0"/>
+              <a:t>6</a:t>
+            </a:fld>
+            <a:endParaRPr lang="de-AT"/>
+          </a:p>
+        </p:txBody>
+      </p:sp>
+    </p:spTree>
+    <p:extLst>
+      <p:ext uri="{BB962C8B-B14F-4D97-AF65-F5344CB8AC3E}">
+        <p14:creationId xmlns:p14="http://schemas.microsoft.com/office/powerpoint/2010/main" val="1571331210"/>
+      </p:ext>
+    </p:extLst>
+  </p:cSld>
+  <p:clrMapOvr>
+    <a:masterClrMapping/>
+  </p:clrMapOvr>
+</p:notes>
+</file>
+
+<file path=ppt/notesSlides/notesSlide7.xml><?xml version="1.0" encoding="utf-8"?>
+<p:notes xmlns:a="http://schemas.openxmlformats.org/drawingml/2006/main" xmlns:r="http://schemas.openxmlformats.org/officeDocument/2006/relationships" xmlns:p="http://schemas.openxmlformats.org/presentationml/2006/main">
+  <p:cSld>
+    <p:spTree>
+      <p:nvGrpSpPr>
+        <p:cNvPr id="1" name=""/>
+        <p:cNvGrpSpPr/>
+        <p:nvPr/>
+      </p:nvGrpSpPr>
+      <p:grpSpPr>
+        <a:xfrm>
+          <a:off x="0" y="0"/>
+          <a:ext cx="0" cy="0"/>
+          <a:chOff x="0" y="0"/>
+          <a:chExt cx="0" cy="0"/>
+        </a:xfrm>
+      </p:grpSpPr>
+      <p:sp>
+        <p:nvSpPr>
+          <p:cNvPr id="2" name="Folienbildplatzhalter 1"/>
+          <p:cNvSpPr>
+            <a:spLocks noGrp="1" noRot="1" noChangeAspect="1"/>
+          </p:cNvSpPr>
+          <p:nvPr>
+            <p:ph type="sldImg"/>
+          </p:nvPr>
+        </p:nvSpPr>
+        <p:spPr/>
+      </p:sp>
+      <p:sp>
+        <p:nvSpPr>
+          <p:cNvPr id="3" name="Notizenplatzhalter 2"/>
+          <p:cNvSpPr>
+            <a:spLocks noGrp="1"/>
+          </p:cNvSpPr>
+          <p:nvPr>
+            <p:ph type="body" idx="1"/>
+          </p:nvPr>
+        </p:nvSpPr>
+        <p:spPr/>
+        <p:txBody>
+          <a:bodyPr/>
+          <a:lstStyle/>
+          <a:p>
+            <a:pPr>
+              <a:buFont typeface="Arial" panose="020B0604020202020204" pitchFamily="34" charset="0"/>
+              <a:buChar char="•"/>
+            </a:pPr>
+            <a:r>
+              <a:rPr lang="de-AT" b="1" dirty="0"/>
+              <a:t>Erläuterung der Stufen</a:t>
+            </a:r>
+            <a:r>
+              <a:rPr lang="de-AT" dirty="0"/>
+              <a:t>:</a:t>
+            </a:r>
+          </a:p>
+          <a:p>
+            <a:pPr lvl="1">
+              <a:buFont typeface="Arial" panose="020B0604020202020204" pitchFamily="34" charset="0"/>
+              <a:buChar char="•"/>
+            </a:pPr>
+            <a:r>
+              <a:rPr lang="de-AT" b="1" dirty="0"/>
+              <a:t>QoS 0 – At </a:t>
+            </a:r>
+            <a:r>
+              <a:rPr lang="de-AT" b="1" dirty="0" err="1"/>
+              <a:t>most</a:t>
+            </a:r>
+            <a:r>
+              <a:rPr lang="de-AT" b="1" dirty="0"/>
+              <a:t> </a:t>
+            </a:r>
+            <a:r>
+              <a:rPr lang="de-AT" b="1" dirty="0" err="1"/>
+              <a:t>once</a:t>
+            </a:r>
+            <a:r>
+              <a:rPr lang="de-AT" dirty="0"/>
+              <a:t>: Nachricht wird ohne Garantie gesendet. (Minimaler Overhead)</a:t>
+            </a:r>
+          </a:p>
+          <a:p>
+            <a:pPr lvl="1">
+              <a:buFont typeface="Arial" panose="020B0604020202020204" pitchFamily="34" charset="0"/>
+              <a:buChar char="•"/>
+            </a:pPr>
+            <a:r>
+              <a:rPr lang="de-AT" b="1" dirty="0"/>
+              <a:t>QoS 1 – At least </a:t>
+            </a:r>
+            <a:r>
+              <a:rPr lang="de-AT" b="1" dirty="0" err="1"/>
+              <a:t>once</a:t>
+            </a:r>
+            <a:r>
+              <a:rPr lang="de-AT" dirty="0"/>
+              <a:t>: Nachricht wird garantiert, kann aber mehrfach ankommen.</a:t>
+            </a:r>
+          </a:p>
+          <a:p>
+            <a:pPr lvl="1">
+              <a:buFont typeface="Arial" panose="020B0604020202020204" pitchFamily="34" charset="0"/>
+              <a:buChar char="•"/>
+            </a:pPr>
+            <a:r>
+              <a:rPr lang="de-AT" b="1" dirty="0"/>
+              <a:t>QoS 2 – </a:t>
+            </a:r>
+            <a:r>
+              <a:rPr lang="de-AT" b="1" dirty="0" err="1"/>
+              <a:t>Exactly</a:t>
+            </a:r>
+            <a:r>
+              <a:rPr lang="de-AT" b="1" dirty="0"/>
+              <a:t> </a:t>
+            </a:r>
+            <a:r>
+              <a:rPr lang="de-AT" b="1" dirty="0" err="1"/>
+              <a:t>once</a:t>
+            </a:r>
+            <a:r>
+              <a:rPr lang="de-AT" dirty="0"/>
+              <a:t>: Nachricht wird garantiert und genau einmal zugestellt (höchster Overhead).</a:t>
+            </a:r>
+          </a:p>
+          <a:p>
+            <a:pPr lvl="1">
+              <a:buFont typeface="Arial" panose="020B0604020202020204" pitchFamily="34" charset="0"/>
+              <a:buNone/>
+            </a:pPr>
+            <a:endParaRPr lang="de-AT" dirty="0"/>
+          </a:p>
+          <a:p>
+            <a:pPr>
+              <a:buFont typeface="Arial" panose="020B0604020202020204" pitchFamily="34" charset="0"/>
+              <a:buChar char="•"/>
+            </a:pPr>
+            <a:r>
+              <a:rPr lang="de-AT" b="1" dirty="0"/>
+              <a:t>Anwendungsbeispiele</a:t>
+            </a:r>
+            <a:r>
+              <a:rPr lang="de-AT" dirty="0"/>
+              <a:t>:</a:t>
+            </a:r>
+          </a:p>
+          <a:p>
+            <a:pPr lvl="1">
+              <a:buFont typeface="Arial" panose="020B0604020202020204" pitchFamily="34" charset="0"/>
+              <a:buChar char="•"/>
+            </a:pPr>
+            <a:r>
+              <a:rPr lang="de-AT" dirty="0"/>
+              <a:t>QoS 0: Sensordaten, die oft aktualisiert werden.</a:t>
+            </a:r>
+          </a:p>
+          <a:p>
+            <a:pPr lvl="1">
+              <a:buFont typeface="Arial" panose="020B0604020202020204" pitchFamily="34" charset="0"/>
+              <a:buChar char="•"/>
+            </a:pPr>
+            <a:r>
+              <a:rPr lang="de-AT" dirty="0"/>
+              <a:t>QoS 1: Statusmeldungen (z. B. Maschinenbetrieb).</a:t>
+            </a:r>
+          </a:p>
+          <a:p>
+            <a:pPr lvl="1">
+              <a:buFont typeface="Arial" panose="020B0604020202020204" pitchFamily="34" charset="0"/>
+              <a:buChar char="•"/>
+            </a:pPr>
+            <a:r>
+              <a:rPr lang="de-AT" dirty="0"/>
+              <a:t>QoS 2: Zahlungsinformationen oder kritische Updates.</a:t>
+            </a:r>
+          </a:p>
+          <a:p>
+            <a:pPr lvl="1">
+              <a:buFont typeface="Arial" panose="020B0604020202020204" pitchFamily="34" charset="0"/>
+              <a:buChar char="•"/>
+            </a:pPr>
+            <a:endParaRPr lang="de-AT" dirty="0"/>
+          </a:p>
+          <a:p>
+            <a:pPr lvl="1">
+              <a:buFont typeface="Arial" panose="020B0604020202020204" pitchFamily="34" charset="0"/>
+              <a:buChar char="•"/>
+            </a:pPr>
+            <a:r>
+              <a:rPr lang="de-AT" dirty="0"/>
+              <a:t>Publish </a:t>
+            </a:r>
+            <a:r>
+              <a:rPr lang="de-AT" dirty="0" err="1"/>
+              <a:t>receive</a:t>
+            </a:r>
+            <a:endParaRPr lang="de-AT" dirty="0"/>
+          </a:p>
+          <a:p>
+            <a:pPr lvl="1">
+              <a:buFont typeface="Arial" panose="020B0604020202020204" pitchFamily="34" charset="0"/>
+              <a:buChar char="•"/>
+            </a:pPr>
+            <a:r>
+              <a:rPr lang="de-AT" dirty="0"/>
+              <a:t>Publish release</a:t>
+            </a:r>
+          </a:p>
+          <a:p>
+            <a:pPr lvl="1">
+              <a:buFont typeface="Arial" panose="020B0604020202020204" pitchFamily="34" charset="0"/>
+              <a:buChar char="•"/>
+            </a:pPr>
+            <a:r>
+              <a:rPr lang="de-AT" dirty="0"/>
+              <a:t>Publish </a:t>
+            </a:r>
+            <a:r>
+              <a:rPr lang="de-AT" dirty="0" err="1"/>
+              <a:t>complete</a:t>
+            </a:r>
+            <a:endParaRPr lang="de-AT" dirty="0"/>
+          </a:p>
+          <a:p>
+            <a:endParaRPr lang="de-AT" dirty="0"/>
+          </a:p>
+        </p:txBody>
+      </p:sp>
+      <p:sp>
+        <p:nvSpPr>
+          <p:cNvPr id="4" name="Foliennummernplatzhalter 3"/>
+          <p:cNvSpPr>
+            <a:spLocks noGrp="1"/>
+          </p:cNvSpPr>
+          <p:nvPr>
+            <p:ph type="sldNum" sz="quarter" idx="5"/>
+          </p:nvPr>
+        </p:nvSpPr>
+        <p:spPr/>
+        <p:txBody>
+          <a:bodyPr/>
+          <a:lstStyle/>
+          <a:p>
+            <a:fld id="{354AB613-57A8-480D-BB00-056F2090D4AB}" type="slidenum">
+              <a:rPr lang="de-AT" smtClean="0"/>
+              <a:t>7</a:t>
+            </a:fld>
+            <a:endParaRPr lang="de-AT"/>
+          </a:p>
+        </p:txBody>
+      </p:sp>
+    </p:spTree>
+    <p:extLst>
+      <p:ext uri="{BB962C8B-B14F-4D97-AF65-F5344CB8AC3E}">
+        <p14:creationId xmlns:p14="http://schemas.microsoft.com/office/powerpoint/2010/main" val="1025306961"/>
+      </p:ext>
+    </p:extLst>
+  </p:cSld>
+  <p:clrMapOvr>
+    <a:masterClrMapping/>
+  </p:clrMapOvr>
+</p:notes>
+</file>
+
+<file path=ppt/notesSlides/notesSlide8.xml><?xml version="1.0" encoding="utf-8"?>
+<p:notes xmlns:a="http://schemas.openxmlformats.org/drawingml/2006/main" xmlns:r="http://schemas.openxmlformats.org/officeDocument/2006/relationships" xmlns:p="http://schemas.openxmlformats.org/presentationml/2006/main">
+  <p:cSld>
+    <p:spTree>
+      <p:nvGrpSpPr>
+        <p:cNvPr id="1" name=""/>
+        <p:cNvGrpSpPr/>
+        <p:nvPr/>
+      </p:nvGrpSpPr>
+      <p:grpSpPr>
+        <a:xfrm>
+          <a:off x="0" y="0"/>
+          <a:ext cx="0" cy="0"/>
+          <a:chOff x="0" y="0"/>
+          <a:chExt cx="0" cy="0"/>
+        </a:xfrm>
+      </p:grpSpPr>
+      <p:sp>
+        <p:nvSpPr>
+          <p:cNvPr id="2" name="Folienbildplatzhalter 1"/>
+          <p:cNvSpPr>
+            <a:spLocks noGrp="1" noRot="1" noChangeAspect="1"/>
+          </p:cNvSpPr>
+          <p:nvPr>
+            <p:ph type="sldImg"/>
+          </p:nvPr>
+        </p:nvSpPr>
+        <p:spPr/>
+      </p:sp>
+      <p:sp>
+        <p:nvSpPr>
+          <p:cNvPr id="3" name="Notizenplatzhalter 2"/>
+          <p:cNvSpPr>
+            <a:spLocks noGrp="1"/>
+          </p:cNvSpPr>
+          <p:nvPr>
+            <p:ph type="body" idx="1"/>
+          </p:nvPr>
+        </p:nvSpPr>
+        <p:spPr/>
+        <p:txBody>
+          <a:bodyPr/>
+          <a:lstStyle/>
+          <a:p>
             <a:pPr marL="0" marR="0" lvl="0" indent="0" algn="l" defTabSz="914400" rtl="0" eaLnBrk="1" fontAlgn="auto" latinLnBrk="0" hangingPunct="1">
               <a:lnSpc>
                 <a:spcPct val="100000"/>
@@ -1220,7 +2163,7 @@
           <a:p>
             <a:fld id="{354AB613-57A8-480D-BB00-056F2090D4AB}" type="slidenum">
               <a:rPr lang="de-AT" smtClean="0"/>
-              <a:t>7</a:t>
+              <a:t>8</a:t>
             </a:fld>
             <a:endParaRPr lang="de-AT"/>
           </a:p>
@@ -1230,6 +2173,90 @@
     <p:extLst>
       <p:ext uri="{BB962C8B-B14F-4D97-AF65-F5344CB8AC3E}">
         <p14:creationId xmlns:p14="http://schemas.microsoft.com/office/powerpoint/2010/main" val="3001506708"/>
+      </p:ext>
+    </p:extLst>
+  </p:cSld>
+  <p:clrMapOvr>
+    <a:masterClrMapping/>
+  </p:clrMapOvr>
+</p:notes>
+</file>
+
+<file path=ppt/notesSlides/notesSlide9.xml><?xml version="1.0" encoding="utf-8"?>
+<p:notes xmlns:a="http://schemas.openxmlformats.org/drawingml/2006/main" xmlns:r="http://schemas.openxmlformats.org/officeDocument/2006/relationships" xmlns:p="http://schemas.openxmlformats.org/presentationml/2006/main">
+  <p:cSld>
+    <p:spTree>
+      <p:nvGrpSpPr>
+        <p:cNvPr id="1" name=""/>
+        <p:cNvGrpSpPr/>
+        <p:nvPr/>
+      </p:nvGrpSpPr>
+      <p:grpSpPr>
+        <a:xfrm>
+          <a:off x="0" y="0"/>
+          <a:ext cx="0" cy="0"/>
+          <a:chOff x="0" y="0"/>
+          <a:chExt cx="0" cy="0"/>
+        </a:xfrm>
+      </p:grpSpPr>
+      <p:sp>
+        <p:nvSpPr>
+          <p:cNvPr id="2" name="Folienbildplatzhalter 1"/>
+          <p:cNvSpPr>
+            <a:spLocks noGrp="1" noRot="1" noChangeAspect="1"/>
+          </p:cNvSpPr>
+          <p:nvPr>
+            <p:ph type="sldImg"/>
+          </p:nvPr>
+        </p:nvSpPr>
+        <p:spPr/>
+      </p:sp>
+      <p:sp>
+        <p:nvSpPr>
+          <p:cNvPr id="3" name="Notizenplatzhalter 2"/>
+          <p:cNvSpPr>
+            <a:spLocks noGrp="1"/>
+          </p:cNvSpPr>
+          <p:nvPr>
+            <p:ph type="body" idx="1"/>
+          </p:nvPr>
+        </p:nvSpPr>
+        <p:spPr/>
+        <p:txBody>
+          <a:bodyPr/>
+          <a:lstStyle/>
+          <a:p>
+            <a:endParaRPr lang="de-AT" dirty="0"/>
+          </a:p>
+        </p:txBody>
+      </p:sp>
+      <p:sp>
+        <p:nvSpPr>
+          <p:cNvPr id="4" name="Foliennummernplatzhalter 3"/>
+          <p:cNvSpPr>
+            <a:spLocks noGrp="1"/>
+          </p:cNvSpPr>
+          <p:nvPr>
+            <p:ph type="sldNum" sz="quarter" idx="5"/>
+          </p:nvPr>
+        </p:nvSpPr>
+        <p:spPr/>
+        <p:txBody>
+          <a:bodyPr/>
+          <a:lstStyle/>
+          <a:p>
+            <a:fld id="{354AB613-57A8-480D-BB00-056F2090D4AB}" type="slidenum">
+              <a:rPr lang="de-AT" smtClean="0"/>
+              <a:t>10</a:t>
+            </a:fld>
+            <a:endParaRPr lang="de-AT"/>
+          </a:p>
+        </p:txBody>
+      </p:sp>
+    </p:spTree>
+    <p:extLst>
+      <p:ext uri="{BB962C8B-B14F-4D97-AF65-F5344CB8AC3E}">
+        <p14:creationId xmlns:p14="http://schemas.microsoft.com/office/powerpoint/2010/main" val="2124916537"/>
       </p:ext>
     </p:extLst>
   </p:cSld>
@@ -1388,7 +2415,7 @@
           <a:p>
             <a:fld id="{1CF8E907-BBCB-40B4-B3CF-34F68D22DA81}" type="datetimeFigureOut">
               <a:rPr lang="de-AT" smtClean="0"/>
-              <a:t>07.01.2025</a:t>
+              <a:t>13.01.2025</a:t>
             </a:fld>
             <a:endParaRPr lang="de-AT"/>
           </a:p>
@@ -1588,7 +2615,7 @@
           <a:p>
             <a:fld id="{1CF8E907-BBCB-40B4-B3CF-34F68D22DA81}" type="datetimeFigureOut">
               <a:rPr lang="de-AT" smtClean="0"/>
-              <a:t>07.01.2025</a:t>
+              <a:t>13.01.2025</a:t>
             </a:fld>
             <a:endParaRPr lang="de-AT"/>
           </a:p>
@@ -1798,7 +2825,7 @@
           <a:p>
             <a:fld id="{1CF8E907-BBCB-40B4-B3CF-34F68D22DA81}" type="datetimeFigureOut">
               <a:rPr lang="de-AT" smtClean="0"/>
-              <a:t>07.01.2025</a:t>
+              <a:t>13.01.2025</a:t>
             </a:fld>
             <a:endParaRPr lang="de-AT"/>
           </a:p>
@@ -1998,7 +3025,7 @@
           <a:p>
             <a:fld id="{1CF8E907-BBCB-40B4-B3CF-34F68D22DA81}" type="datetimeFigureOut">
               <a:rPr lang="de-AT" smtClean="0"/>
-              <a:t>07.01.2025</a:t>
+              <a:t>13.01.2025</a:t>
             </a:fld>
             <a:endParaRPr lang="de-AT"/>
           </a:p>
@@ -2274,7 +3301,7 @@
           <a:p>
             <a:fld id="{1CF8E907-BBCB-40B4-B3CF-34F68D22DA81}" type="datetimeFigureOut">
               <a:rPr lang="de-AT" smtClean="0"/>
-              <a:t>07.01.2025</a:t>
+              <a:t>13.01.2025</a:t>
             </a:fld>
             <a:endParaRPr lang="de-AT"/>
           </a:p>
@@ -2542,7 +3569,7 @@
           <a:p>
             <a:fld id="{1CF8E907-BBCB-40B4-B3CF-34F68D22DA81}" type="datetimeFigureOut">
               <a:rPr lang="de-AT" smtClean="0"/>
-              <a:t>07.01.2025</a:t>
+              <a:t>13.01.2025</a:t>
             </a:fld>
             <a:endParaRPr lang="de-AT"/>
           </a:p>
@@ -2957,7 +3984,7 @@
           <a:p>
             <a:fld id="{1CF8E907-BBCB-40B4-B3CF-34F68D22DA81}" type="datetimeFigureOut">
               <a:rPr lang="de-AT" smtClean="0"/>
-              <a:t>07.01.2025</a:t>
+              <a:t>13.01.2025</a:t>
             </a:fld>
             <a:endParaRPr lang="de-AT"/>
           </a:p>
@@ -3099,7 +4126,7 @@
           <a:p>
             <a:fld id="{1CF8E907-BBCB-40B4-B3CF-34F68D22DA81}" type="datetimeFigureOut">
               <a:rPr lang="de-AT" smtClean="0"/>
-              <a:t>07.01.2025</a:t>
+              <a:t>13.01.2025</a:t>
             </a:fld>
             <a:endParaRPr lang="de-AT"/>
           </a:p>
@@ -3212,7 +4239,7 @@
           <a:p>
             <a:fld id="{1CF8E907-BBCB-40B4-B3CF-34F68D22DA81}" type="datetimeFigureOut">
               <a:rPr lang="de-AT" smtClean="0"/>
-              <a:t>07.01.2025</a:t>
+              <a:t>13.01.2025</a:t>
             </a:fld>
             <a:endParaRPr lang="de-AT"/>
           </a:p>
@@ -3525,7 +4552,7 @@
           <a:p>
             <a:fld id="{1CF8E907-BBCB-40B4-B3CF-34F68D22DA81}" type="datetimeFigureOut">
               <a:rPr lang="de-AT" smtClean="0"/>
-              <a:t>07.01.2025</a:t>
+              <a:t>13.01.2025</a:t>
             </a:fld>
             <a:endParaRPr lang="de-AT"/>
           </a:p>
@@ -3814,7 +4841,7 @@
           <a:p>
             <a:fld id="{1CF8E907-BBCB-40B4-B3CF-34F68D22DA81}" type="datetimeFigureOut">
               <a:rPr lang="de-AT" smtClean="0"/>
-              <a:t>07.01.2025</a:t>
+              <a:t>13.01.2025</a:t>
             </a:fld>
             <a:endParaRPr lang="de-AT"/>
           </a:p>
@@ -4060,7 +5087,7 @@
           <a:p>
             <a:fld id="{1CF8E907-BBCB-40B4-B3CF-34F68D22DA81}" type="datetimeFigureOut">
               <a:rPr lang="de-AT" smtClean="0"/>
-              <a:t>07.01.2025</a:t>
+              <a:t>13.01.2025</a:t>
             </a:fld>
             <a:endParaRPr lang="de-AT"/>
           </a:p>
@@ -4649,6 +5676,159 @@
 </p:sld>
 </file>
 
+<file path=ppt/slides/slide10.xml><?xml version="1.0" encoding="utf-8"?>
+<p:sld xmlns:a="http://schemas.openxmlformats.org/drawingml/2006/main" xmlns:r="http://schemas.openxmlformats.org/officeDocument/2006/relationships" xmlns:p="http://schemas.openxmlformats.org/presentationml/2006/main">
+  <p:cSld>
+    <p:spTree>
+      <p:nvGrpSpPr>
+        <p:cNvPr id="1" name=""/>
+        <p:cNvGrpSpPr/>
+        <p:nvPr/>
+      </p:nvGrpSpPr>
+      <p:grpSpPr>
+        <a:xfrm>
+          <a:off x="0" y="0"/>
+          <a:ext cx="0" cy="0"/>
+          <a:chOff x="0" y="0"/>
+          <a:chExt cx="0" cy="0"/>
+        </a:xfrm>
+      </p:grpSpPr>
+      <p:sp>
+        <p:nvSpPr>
+          <p:cNvPr id="2" name="Titel 1">
+            <a:extLst>
+              <a:ext uri="{FF2B5EF4-FFF2-40B4-BE49-F238E27FC236}">
+                <a16:creationId xmlns:a16="http://schemas.microsoft.com/office/drawing/2014/main" id="{6F5FFDF3-28B1-02E4-D7B9-A3EE382CED94}"/>
+              </a:ext>
+            </a:extLst>
+          </p:cNvPr>
+          <p:cNvSpPr>
+            <a:spLocks noGrp="1"/>
+          </p:cNvSpPr>
+          <p:nvPr>
+            <p:ph type="title"/>
+          </p:nvPr>
+        </p:nvSpPr>
+        <p:spPr/>
+        <p:txBody>
+          <a:bodyPr/>
+          <a:lstStyle/>
+          <a:p>
+            <a:r>
+              <a:rPr lang="de-DE" dirty="0">
+                <a:solidFill>
+                  <a:schemeClr val="bg1"/>
+                </a:solidFill>
+              </a:rPr>
+              <a:t>Quellen</a:t>
+            </a:r>
+            <a:endParaRPr lang="de-AT" dirty="0">
+              <a:solidFill>
+                <a:schemeClr val="bg1"/>
+              </a:solidFill>
+            </a:endParaRPr>
+          </a:p>
+        </p:txBody>
+      </p:sp>
+      <p:sp>
+        <p:nvSpPr>
+          <p:cNvPr id="3" name="Inhaltsplatzhalter 2">
+            <a:extLst>
+              <a:ext uri="{FF2B5EF4-FFF2-40B4-BE49-F238E27FC236}">
+                <a16:creationId xmlns:a16="http://schemas.microsoft.com/office/drawing/2014/main" id="{48A2CF3B-8B33-88EE-9B18-BA011CB5B5E9}"/>
+              </a:ext>
+            </a:extLst>
+          </p:cNvPr>
+          <p:cNvSpPr>
+            <a:spLocks noGrp="1"/>
+          </p:cNvSpPr>
+          <p:nvPr>
+            <p:ph idx="1"/>
+          </p:nvPr>
+        </p:nvSpPr>
+        <p:spPr/>
+        <p:txBody>
+          <a:bodyPr/>
+          <a:lstStyle/>
+          <a:p>
+            <a:r>
+              <a:rPr lang="de-AT" dirty="0">
+                <a:solidFill>
+                  <a:schemeClr val="bg1"/>
+                </a:solidFill>
+                <a:hlinkClick r:id="rId3"/>
+              </a:rPr>
+              <a:t>https://aws.amazon.com/what-is/pub-sub-messaging/</a:t>
+            </a:r>
+            <a:endParaRPr lang="de-AT" dirty="0">
+              <a:solidFill>
+                <a:schemeClr val="bg1"/>
+              </a:solidFill>
+            </a:endParaRPr>
+          </a:p>
+          <a:p>
+            <a:r>
+              <a:rPr lang="de-AT" dirty="0">
+                <a:solidFill>
+                  <a:schemeClr val="bg1"/>
+                </a:solidFill>
+                <a:hlinkClick r:id="rId4"/>
+              </a:rPr>
+              <a:t>https://docs.oasis-open.org/mqtt/mqtt/v5.0/mqtt-v5.0.pdf</a:t>
+            </a:r>
+            <a:endParaRPr lang="de-AT" dirty="0">
+              <a:solidFill>
+                <a:schemeClr val="bg1"/>
+              </a:solidFill>
+            </a:endParaRPr>
+          </a:p>
+          <a:p>
+            <a:r>
+              <a:rPr lang="de-AT" dirty="0">
+                <a:solidFill>
+                  <a:schemeClr val="bg1"/>
+                </a:solidFill>
+                <a:hlinkClick r:id="rId5"/>
+              </a:rPr>
+              <a:t>https://hivemq.com/blog/mqtt-essentials-part-6-mqtt-quality-of-service-levels/</a:t>
+            </a:r>
+            <a:endParaRPr lang="de-AT" dirty="0">
+              <a:solidFill>
+                <a:schemeClr val="bg1"/>
+              </a:solidFill>
+            </a:endParaRPr>
+          </a:p>
+          <a:p>
+            <a:r>
+              <a:rPr lang="de-AT" dirty="0">
+                <a:solidFill>
+                  <a:schemeClr val="bg1"/>
+                </a:solidFill>
+                <a:hlinkClick r:id="rId6"/>
+              </a:rPr>
+              <a:t>https://i-flow.io/ressources/mqtt-quality-of-service-qos-anwendungsfaelle-und-beispiele/</a:t>
+            </a:r>
+            <a:endParaRPr lang="de-AT" dirty="0">
+              <a:solidFill>
+                <a:schemeClr val="bg1"/>
+              </a:solidFill>
+            </a:endParaRPr>
+          </a:p>
+        </p:txBody>
+      </p:sp>
+    </p:spTree>
+    <p:extLst>
+      <p:ext uri="{BB962C8B-B14F-4D97-AF65-F5344CB8AC3E}">
+        <p14:creationId xmlns:p14="http://schemas.microsoft.com/office/powerpoint/2010/main" val="351193880"/>
+      </p:ext>
+    </p:extLst>
+  </p:cSld>
+  <p:clrMapOvr>
+    <a:masterClrMapping/>
+  </p:clrMapOvr>
+</p:sld>
+</file>
+
 <file path=ppt/slides/slide2.xml><?xml version="1.0" encoding="utf-8"?>
 <p:sld xmlns:a="http://schemas.openxmlformats.org/drawingml/2006/main" xmlns:r="http://schemas.openxmlformats.org/officeDocument/2006/relationships" xmlns:p="http://schemas.openxmlformats.org/presentationml/2006/main">
   <p:cSld>
@@ -4985,6 +6165,9 @@
   <p:clrMapOvr>
     <a:masterClrMapping/>
   </p:clrMapOvr>
+  <p:transition spd="med">
+    <p:pull/>
+  </p:transition>
 </p:sld>
 </file>
 
@@ -6031,6 +7214,18 @@
   <p:clrMapOvr>
     <a:masterClrMapping/>
   </p:clrMapOvr>
+  <mc:AlternateContent xmlns:mc="http://schemas.openxmlformats.org/markup-compatibility/2006">
+    <mc:Choice xmlns:p14="http://schemas.microsoft.com/office/powerpoint/2010/main" Requires="p14">
+      <p:transition spd="slow" p14:dur="800">
+        <p14:flythrough/>
+      </p:transition>
+    </mc:Choice>
+    <mc:Fallback>
+      <p:transition spd="slow">
+        <p:fade/>
+      </p:transition>
+    </mc:Fallback>
+  </mc:AlternateContent>
   <p:timing>
     <p:tnLst>
       <p:par>
@@ -6919,6 +8114,9 @@
   <p:clrMapOvr>
     <a:masterClrMapping/>
   </p:clrMapOvr>
+  <p:transition spd="slow">
+    <p:push dir="u"/>
+  </p:transition>
   <p:timing>
     <p:tnLst>
       <p:par>
@@ -7175,7 +8373,7 @@
           </p:nvPr>
         </p:nvPicPr>
         <p:blipFill>
-          <a:blip r:embed="rId2">
+          <a:blip r:embed="rId3">
             <a:extLst>
               <a:ext uri="{28A0092B-C50C-407E-A947-70E740481C1C}">
                 <a14:useLocalDpi xmlns:a14="http://schemas.microsoft.com/office/drawing/2010/main" val="0"/>
@@ -7812,6 +9010,9 @@
   <p:clrMapOvr>
     <a:masterClrMapping/>
   </p:clrMapOvr>
+  <p:transition spd="med">
+    <p:pull/>
+  </p:transition>
 </p:sld>
 </file>
 
@@ -7859,7 +9060,7 @@
                   <a:schemeClr val="bg1"/>
                 </a:solidFill>
               </a:rPr>
-              <a:t>IoT Anwendungsbereiche</a:t>
+              <a:t>MQTT-Anwendungsbereiche</a:t>
             </a:r>
             <a:endParaRPr lang="de-AT" dirty="0">
               <a:solidFill>
@@ -7897,7 +9098,7 @@
                 </a:solidFill>
                 <a:latin typeface="+mj-lt"/>
               </a:rPr>
-              <a:t>Smart Home -&gt; Beleuchtung, Thermostat…</a:t>
+              <a:t>Smart Home</a:t>
             </a:r>
           </a:p>
           <a:p>
@@ -7908,46 +9109,30 @@
                 </a:solidFill>
                 <a:latin typeface="+mj-lt"/>
               </a:rPr>
-              <a:t>Smart Cities -&gt; Abfallmanagement</a:t>
-            </a:r>
-          </a:p>
-          <a:p>
+              <a:t>Smart Cities</a:t>
+            </a:r>
+          </a:p>
+          <a:p>
+            <a:r>
+              <a:rPr lang="de-DE" dirty="0">
+                <a:solidFill>
+                  <a:schemeClr val="bg1"/>
+                </a:solidFill>
+                <a:latin typeface="+mj-lt"/>
+              </a:rPr>
+              <a:t>Landwirtschaft</a:t>
+            </a:r>
+          </a:p>
+          <a:p>
+            <a:pPr marL="0" indent="0">
+              <a:buNone/>
+            </a:pPr>
             <a:endParaRPr lang="de-DE" dirty="0">
               <a:solidFill>
                 <a:schemeClr val="bg1"/>
               </a:solidFill>
               <a:latin typeface="+mj-lt"/>
             </a:endParaRPr>
-          </a:p>
-          <a:p>
-            <a:r>
-              <a:rPr lang="de-DE" dirty="0">
-                <a:solidFill>
-                  <a:schemeClr val="bg1"/>
-                </a:solidFill>
-                <a:latin typeface="+mj-lt"/>
-              </a:rPr>
-              <a:t>Industrie -&gt; Maschinenkommunikation</a:t>
-            </a:r>
-          </a:p>
-          <a:p>
-            <a:endParaRPr lang="de-DE" dirty="0">
-              <a:solidFill>
-                <a:schemeClr val="bg1"/>
-              </a:solidFill>
-              <a:latin typeface="+mj-lt"/>
-            </a:endParaRPr>
-          </a:p>
-          <a:p>
-            <a:r>
-              <a:rPr lang="de-DE" dirty="0">
-                <a:solidFill>
-                  <a:schemeClr val="bg1"/>
-                </a:solidFill>
-                <a:latin typeface="+mj-lt"/>
-              </a:rPr>
-              <a:t>Lagerhaltung -&gt; Bestandsüberwachung</a:t>
-            </a:r>
           </a:p>
         </p:txBody>
       </p:sp>
@@ -7980,8 +9165,55 @@
         </p:blipFill>
         <p:spPr bwMode="auto">
           <a:xfrm>
-            <a:off x="9848850" y="1390650"/>
+            <a:off x="1492218" y="3775184"/>
             <a:ext cx="1828800" cy="1828800"/>
+          </a:xfrm>
+          <a:prstGeom prst="rect">
+            <a:avLst/>
+          </a:prstGeom>
+          <a:noFill/>
+          <a:extLst>
+            <a:ext uri="{909E8E84-426E-40DD-AFC4-6F175D3DCCD1}">
+              <a14:hiddenFill xmlns:a14="http://schemas.microsoft.com/office/drawing/2010/main">
+                <a:solidFill>
+                  <a:srgbClr val="FFFFFF"/>
+                </a:solidFill>
+              </a14:hiddenFill>
+            </a:ext>
+          </a:extLst>
+        </p:spPr>
+      </p:pic>
+      <p:pic>
+        <p:nvPicPr>
+          <p:cNvPr id="1028" name="Picture 4" descr="Smarter Lidar-Sensor liefert direkt verwertbare 3D-Informationen | inVISION">
+            <a:extLst>
+              <a:ext uri="{FF2B5EF4-FFF2-40B4-BE49-F238E27FC236}">
+                <a16:creationId xmlns:a16="http://schemas.microsoft.com/office/drawing/2014/main" id="{154D0A47-36A9-B567-C09F-51E30972779B}"/>
+              </a:ext>
+            </a:extLst>
+          </p:cNvPr>
+          <p:cNvPicPr>
+            <a:picLocks noChangeAspect="1" noChangeArrowheads="1"/>
+          </p:cNvPicPr>
+          <p:nvPr/>
+        </p:nvPicPr>
+        <p:blipFill>
+          <a:blip r:embed="rId4">
+            <a:extLst>
+              <a:ext uri="{28A0092B-C50C-407E-A947-70E740481C1C}">
+                <a14:useLocalDpi xmlns:a14="http://schemas.microsoft.com/office/drawing/2010/main" val="0"/>
+              </a:ext>
+            </a:extLst>
+          </a:blip>
+          <a:srcRect/>
+          <a:stretch>
+            <a:fillRect/>
+          </a:stretch>
+        </p:blipFill>
+        <p:spPr bwMode="auto">
+          <a:xfrm>
+            <a:off x="5013686" y="1675443"/>
+            <a:ext cx="6594796" cy="3928541"/>
           </a:xfrm>
           <a:prstGeom prst="rect">
             <a:avLst/>
@@ -8008,6 +9240,231 @@
   <p:clrMapOvr>
     <a:masterClrMapping/>
   </p:clrMapOvr>
+  <mc:AlternateContent xmlns:mc="http://schemas.openxmlformats.org/markup-compatibility/2006">
+    <mc:Choice xmlns:p14="http://schemas.microsoft.com/office/powerpoint/2010/main" Requires="p14">
+      <p:transition spd="slow" p14:dur="1250">
+        <p14:switch dir="r"/>
+      </p:transition>
+    </mc:Choice>
+    <mc:Fallback>
+      <p:transition spd="slow">
+        <p:fade/>
+      </p:transition>
+    </mc:Fallback>
+  </mc:AlternateContent>
+  <p:timing>
+    <p:tnLst>
+      <p:par>
+        <p:cTn id="1" dur="indefinite" restart="never" nodeType="tmRoot">
+          <p:childTnLst>
+            <p:seq concurrent="1" nextAc="seek">
+              <p:cTn id="2" dur="indefinite" nodeType="mainSeq">
+                <p:childTnLst>
+                  <p:par>
+                    <p:cTn id="3" fill="hold">
+                      <p:stCondLst>
+                        <p:cond delay="indefinite"/>
+                      </p:stCondLst>
+                      <p:childTnLst>
+                        <p:par>
+                          <p:cTn id="4" fill="hold">
+                            <p:stCondLst>
+                              <p:cond delay="0"/>
+                            </p:stCondLst>
+                            <p:childTnLst>
+                              <p:par>
+                                <p:cTn id="5" presetID="10" presetClass="entr" presetSubtype="0" fill="hold" nodeType="clickEffect">
+                                  <p:stCondLst>
+                                    <p:cond delay="0"/>
+                                  </p:stCondLst>
+                                  <p:childTnLst>
+                                    <p:set>
+                                      <p:cBhvr>
+                                        <p:cTn id="6" dur="1" fill="hold">
+                                          <p:stCondLst>
+                                            <p:cond delay="0"/>
+                                          </p:stCondLst>
+                                        </p:cTn>
+                                        <p:tgtEl>
+                                          <p:spTgt spid="3">
+                                            <p:txEl>
+                                              <p:pRg st="0" end="0"/>
+                                            </p:txEl>
+                                          </p:spTgt>
+                                        </p:tgtEl>
+                                        <p:attrNameLst>
+                                          <p:attrName>style.visibility</p:attrName>
+                                        </p:attrNameLst>
+                                      </p:cBhvr>
+                                      <p:to>
+                                        <p:strVal val="visible"/>
+                                      </p:to>
+                                    </p:set>
+                                    <p:animEffect transition="in" filter="fade">
+                                      <p:cBhvr>
+                                        <p:cTn id="7" dur="500"/>
+                                        <p:tgtEl>
+                                          <p:spTgt spid="3">
+                                            <p:txEl>
+                                              <p:pRg st="0" end="0"/>
+                                            </p:txEl>
+                                          </p:spTgt>
+                                        </p:tgtEl>
+                                      </p:cBhvr>
+                                    </p:animEffect>
+                                  </p:childTnLst>
+                                </p:cTn>
+                              </p:par>
+                            </p:childTnLst>
+                          </p:cTn>
+                        </p:par>
+                      </p:childTnLst>
+                    </p:cTn>
+                  </p:par>
+                  <p:par>
+                    <p:cTn id="8" fill="hold">
+                      <p:stCondLst>
+                        <p:cond delay="indefinite"/>
+                      </p:stCondLst>
+                      <p:childTnLst>
+                        <p:par>
+                          <p:cTn id="9" fill="hold">
+                            <p:stCondLst>
+                              <p:cond delay="0"/>
+                            </p:stCondLst>
+                            <p:childTnLst>
+                              <p:par>
+                                <p:cTn id="10" presetID="10" presetClass="entr" presetSubtype="0" fill="hold" nodeType="clickEffect">
+                                  <p:stCondLst>
+                                    <p:cond delay="0"/>
+                                  </p:stCondLst>
+                                  <p:childTnLst>
+                                    <p:set>
+                                      <p:cBhvr>
+                                        <p:cTn id="11" dur="1" fill="hold">
+                                          <p:stCondLst>
+                                            <p:cond delay="0"/>
+                                          </p:stCondLst>
+                                        </p:cTn>
+                                        <p:tgtEl>
+                                          <p:spTgt spid="3">
+                                            <p:txEl>
+                                              <p:pRg st="1" end="1"/>
+                                            </p:txEl>
+                                          </p:spTgt>
+                                        </p:tgtEl>
+                                        <p:attrNameLst>
+                                          <p:attrName>style.visibility</p:attrName>
+                                        </p:attrNameLst>
+                                      </p:cBhvr>
+                                      <p:to>
+                                        <p:strVal val="visible"/>
+                                      </p:to>
+                                    </p:set>
+                                    <p:animEffect transition="in" filter="fade">
+                                      <p:cBhvr>
+                                        <p:cTn id="12" dur="500"/>
+                                        <p:tgtEl>
+                                          <p:spTgt spid="3">
+                                            <p:txEl>
+                                              <p:pRg st="1" end="1"/>
+                                            </p:txEl>
+                                          </p:spTgt>
+                                        </p:tgtEl>
+                                      </p:cBhvr>
+                                    </p:animEffect>
+                                  </p:childTnLst>
+                                </p:cTn>
+                              </p:par>
+                            </p:childTnLst>
+                          </p:cTn>
+                        </p:par>
+                      </p:childTnLst>
+                    </p:cTn>
+                  </p:par>
+                  <p:par>
+                    <p:cTn id="13" fill="hold">
+                      <p:stCondLst>
+                        <p:cond delay="indefinite"/>
+                      </p:stCondLst>
+                      <p:childTnLst>
+                        <p:par>
+                          <p:cTn id="14" fill="hold">
+                            <p:stCondLst>
+                              <p:cond delay="0"/>
+                            </p:stCondLst>
+                            <p:childTnLst>
+                              <p:par>
+                                <p:cTn id="15" presetID="10" presetClass="entr" presetSubtype="0" fill="hold" nodeType="clickEffect">
+                                  <p:stCondLst>
+                                    <p:cond delay="0"/>
+                                  </p:stCondLst>
+                                  <p:childTnLst>
+                                    <p:set>
+                                      <p:cBhvr>
+                                        <p:cTn id="16" dur="1" fill="hold">
+                                          <p:stCondLst>
+                                            <p:cond delay="0"/>
+                                          </p:stCondLst>
+                                        </p:cTn>
+                                        <p:tgtEl>
+                                          <p:spTgt spid="3">
+                                            <p:txEl>
+                                              <p:pRg st="2" end="2"/>
+                                            </p:txEl>
+                                          </p:spTgt>
+                                        </p:tgtEl>
+                                        <p:attrNameLst>
+                                          <p:attrName>style.visibility</p:attrName>
+                                        </p:attrNameLst>
+                                      </p:cBhvr>
+                                      <p:to>
+                                        <p:strVal val="visible"/>
+                                      </p:to>
+                                    </p:set>
+                                    <p:animEffect transition="in" filter="fade">
+                                      <p:cBhvr>
+                                        <p:cTn id="17" dur="500"/>
+                                        <p:tgtEl>
+                                          <p:spTgt spid="3">
+                                            <p:txEl>
+                                              <p:pRg st="2" end="2"/>
+                                            </p:txEl>
+                                          </p:spTgt>
+                                        </p:tgtEl>
+                                      </p:cBhvr>
+                                    </p:animEffect>
+                                  </p:childTnLst>
+                                </p:cTn>
+                              </p:par>
+                            </p:childTnLst>
+                          </p:cTn>
+                        </p:par>
+                      </p:childTnLst>
+                    </p:cTn>
+                  </p:par>
+                </p:childTnLst>
+              </p:cTn>
+              <p:prevCondLst>
+                <p:cond evt="onPrev" delay="0">
+                  <p:tgtEl>
+                    <p:sldTgt/>
+                  </p:tgtEl>
+                </p:cond>
+              </p:prevCondLst>
+              <p:nextCondLst>
+                <p:cond evt="onNext" delay="0">
+                  <p:tgtEl>
+                    <p:sldTgt/>
+                  </p:tgtEl>
+                </p:cond>
+              </p:nextCondLst>
+            </p:seq>
+          </p:childTnLst>
+        </p:cTn>
+      </p:par>
+    </p:tnLst>
+  </p:timing>
 </p:sld>
 </file>
 
@@ -8033,107 +9490,6 @@
           <p:cNvPr id="2" name="Titel 1">
             <a:extLst>
               <a:ext uri="{FF2B5EF4-FFF2-40B4-BE49-F238E27FC236}">
-                <a16:creationId xmlns:a16="http://schemas.microsoft.com/office/drawing/2014/main" id="{C3D5CDAD-542A-5666-5C52-0E4353F7C0F0}"/>
-              </a:ext>
-            </a:extLst>
-          </p:cNvPr>
-          <p:cNvSpPr>
-            <a:spLocks noGrp="1"/>
-          </p:cNvSpPr>
-          <p:nvPr>
-            <p:ph type="title"/>
-          </p:nvPr>
-        </p:nvSpPr>
-        <p:spPr/>
-        <p:txBody>
-          <a:bodyPr/>
-          <a:lstStyle/>
-          <a:p>
-            <a:r>
-              <a:rPr lang="de-DE" dirty="0">
-                <a:solidFill>
-                  <a:schemeClr val="bg1"/>
-                </a:solidFill>
-              </a:rPr>
-              <a:t>Beispiel</a:t>
-            </a:r>
-            <a:endParaRPr lang="de-AT" dirty="0">
-              <a:solidFill>
-                <a:schemeClr val="bg1"/>
-              </a:solidFill>
-            </a:endParaRPr>
-          </a:p>
-        </p:txBody>
-      </p:sp>
-      <p:sp>
-        <p:nvSpPr>
-          <p:cNvPr id="3" name="Inhaltsplatzhalter 2">
-            <a:extLst>
-              <a:ext uri="{FF2B5EF4-FFF2-40B4-BE49-F238E27FC236}">
-                <a16:creationId xmlns:a16="http://schemas.microsoft.com/office/drawing/2014/main" id="{3771BD1B-2928-F5BC-6B55-8B4281AC99FA}"/>
-              </a:ext>
-            </a:extLst>
-          </p:cNvPr>
-          <p:cNvSpPr>
-            <a:spLocks noGrp="1"/>
-          </p:cNvSpPr>
-          <p:nvPr>
-            <p:ph idx="1"/>
-          </p:nvPr>
-        </p:nvSpPr>
-        <p:spPr/>
-        <p:txBody>
-          <a:bodyPr>
-            <a:normAutofit/>
-          </a:bodyPr>
-          <a:lstStyle/>
-          <a:p>
-            <a:r>
-              <a:rPr lang="de-AT" dirty="0">
-                <a:solidFill>
-                  <a:schemeClr val="bg1"/>
-                </a:solidFill>
-              </a:rPr>
-              <a:t> </a:t>
-            </a:r>
-          </a:p>
-        </p:txBody>
-      </p:sp>
-    </p:spTree>
-    <p:extLst>
-      <p:ext uri="{BB962C8B-B14F-4D97-AF65-F5344CB8AC3E}">
-        <p14:creationId xmlns:p14="http://schemas.microsoft.com/office/powerpoint/2010/main" val="105318931"/>
-      </p:ext>
-    </p:extLst>
-  </p:cSld>
-  <p:clrMapOvr>
-    <a:masterClrMapping/>
-  </p:clrMapOvr>
-</p:sld>
-</file>
-
-<file path=ppt/slides/slide8.xml><?xml version="1.0" encoding="utf-8"?>
-<p:sld xmlns:a="http://schemas.openxmlformats.org/drawingml/2006/main" xmlns:r="http://schemas.openxmlformats.org/officeDocument/2006/relationships" xmlns:p="http://schemas.openxmlformats.org/presentationml/2006/main">
-  <p:cSld>
-    <p:spTree>
-      <p:nvGrpSpPr>
-        <p:cNvPr id="1" name=""/>
-        <p:cNvGrpSpPr/>
-        <p:nvPr/>
-      </p:nvGrpSpPr>
-      <p:grpSpPr>
-        <a:xfrm>
-          <a:off x="0" y="0"/>
-          <a:ext cx="0" cy="0"/>
-          <a:chOff x="0" y="0"/>
-          <a:chExt cx="0" cy="0"/>
-        </a:xfrm>
-      </p:grpSpPr>
-      <p:sp>
-        <p:nvSpPr>
-          <p:cNvPr id="2" name="Titel 1">
-            <a:extLst>
-              <a:ext uri="{FF2B5EF4-FFF2-40B4-BE49-F238E27FC236}">
                 <a16:creationId xmlns:a16="http://schemas.microsoft.com/office/drawing/2014/main" id="{A5D520EA-2E5D-5EF0-2B6F-ACA82126DBDE}"/>
               </a:ext>
             </a:extLst>
@@ -8199,10 +9555,10 @@
           </p:nvPr>
         </p:nvPicPr>
         <p:blipFill>
-          <a:blip r:embed="rId2">
+          <a:blip r:embed="rId3">
             <a:extLst>
               <a:ext uri="{96DAC541-7B7A-43D3-8B79-37D633B846F1}">
-                <asvg:svgBlip xmlns:asvg="http://schemas.microsoft.com/office/drawing/2016/SVG/main" r:embed="rId3"/>
+                <asvg:svgBlip xmlns:asvg="http://schemas.microsoft.com/office/drawing/2016/SVG/main" r:embed="rId4"/>
               </a:ext>
             </a:extLst>
           </a:blip>
@@ -8232,10 +9588,10 @@
           <p:nvPr/>
         </p:nvPicPr>
         <p:blipFill>
-          <a:blip r:embed="rId4">
+          <a:blip r:embed="rId5">
             <a:extLst>
               <a:ext uri="{96DAC541-7B7A-43D3-8B79-37D633B846F1}">
-                <asvg:svgBlip xmlns:asvg="http://schemas.microsoft.com/office/drawing/2016/SVG/main" r:embed="rId5"/>
+                <asvg:svgBlip xmlns:asvg="http://schemas.microsoft.com/office/drawing/2016/SVG/main" r:embed="rId6"/>
               </a:ext>
             </a:extLst>
           </a:blip>
@@ -8268,10 +9624,10 @@
           <p:nvPr/>
         </p:nvPicPr>
         <p:blipFill>
-          <a:blip r:embed="rId6">
+          <a:blip r:embed="rId7">
             <a:extLst>
               <a:ext uri="{96DAC541-7B7A-43D3-8B79-37D633B846F1}">
-                <asvg:svgBlip xmlns:asvg="http://schemas.microsoft.com/office/drawing/2016/SVG/main" r:embed="rId7"/>
+                <asvg:svgBlip xmlns:asvg="http://schemas.microsoft.com/office/drawing/2016/SVG/main" r:embed="rId8"/>
               </a:ext>
             </a:extLst>
           </a:blip>
@@ -8820,6 +10176,9 @@
   <p:clrMapOvr>
     <a:masterClrMapping/>
   </p:clrMapOvr>
+  <p:transition spd="med">
+    <p:pull/>
+  </p:transition>
   <p:timing>
     <p:tnLst>
       <p:par>
@@ -9482,6 +10841,110 @@
 </p:sld>
 </file>
 
+<file path=ppt/slides/slide8.xml><?xml version="1.0" encoding="utf-8"?>
+<p:sld xmlns:a="http://schemas.openxmlformats.org/drawingml/2006/main" xmlns:r="http://schemas.openxmlformats.org/officeDocument/2006/relationships" xmlns:p="http://schemas.openxmlformats.org/presentationml/2006/main">
+  <p:cSld>
+    <p:spTree>
+      <p:nvGrpSpPr>
+        <p:cNvPr id="1" name=""/>
+        <p:cNvGrpSpPr/>
+        <p:nvPr/>
+      </p:nvGrpSpPr>
+      <p:grpSpPr>
+        <a:xfrm>
+          <a:off x="0" y="0"/>
+          <a:ext cx="0" cy="0"/>
+          <a:chOff x="0" y="0"/>
+          <a:chExt cx="0" cy="0"/>
+        </a:xfrm>
+      </p:grpSpPr>
+      <p:sp>
+        <p:nvSpPr>
+          <p:cNvPr id="2" name="Titel 1">
+            <a:extLst>
+              <a:ext uri="{FF2B5EF4-FFF2-40B4-BE49-F238E27FC236}">
+                <a16:creationId xmlns:a16="http://schemas.microsoft.com/office/drawing/2014/main" id="{C3D5CDAD-542A-5666-5C52-0E4353F7C0F0}"/>
+              </a:ext>
+            </a:extLst>
+          </p:cNvPr>
+          <p:cNvSpPr>
+            <a:spLocks noGrp="1"/>
+          </p:cNvSpPr>
+          <p:nvPr>
+            <p:ph type="title"/>
+          </p:nvPr>
+        </p:nvSpPr>
+        <p:spPr/>
+        <p:txBody>
+          <a:bodyPr/>
+          <a:lstStyle/>
+          <a:p>
+            <a:r>
+              <a:rPr lang="de-DE" dirty="0">
+                <a:solidFill>
+                  <a:schemeClr val="bg1"/>
+                </a:solidFill>
+              </a:rPr>
+              <a:t>Beispiel</a:t>
+            </a:r>
+            <a:endParaRPr lang="de-AT" dirty="0">
+              <a:solidFill>
+                <a:schemeClr val="bg1"/>
+              </a:solidFill>
+            </a:endParaRPr>
+          </a:p>
+        </p:txBody>
+      </p:sp>
+      <p:sp>
+        <p:nvSpPr>
+          <p:cNvPr id="3" name="Inhaltsplatzhalter 2">
+            <a:extLst>
+              <a:ext uri="{FF2B5EF4-FFF2-40B4-BE49-F238E27FC236}">
+                <a16:creationId xmlns:a16="http://schemas.microsoft.com/office/drawing/2014/main" id="{3771BD1B-2928-F5BC-6B55-8B4281AC99FA}"/>
+              </a:ext>
+            </a:extLst>
+          </p:cNvPr>
+          <p:cNvSpPr>
+            <a:spLocks noGrp="1"/>
+          </p:cNvSpPr>
+          <p:nvPr>
+            <p:ph idx="1"/>
+          </p:nvPr>
+        </p:nvSpPr>
+        <p:spPr/>
+        <p:txBody>
+          <a:bodyPr>
+            <a:normAutofit/>
+          </a:bodyPr>
+          <a:lstStyle/>
+          <a:p>
+            <a:pPr marL="0" indent="0">
+              <a:buNone/>
+            </a:pPr>
+            <a:r>
+              <a:rPr lang="de-AT" dirty="0">
+                <a:solidFill>
+                  <a:schemeClr val="bg1"/>
+                </a:solidFill>
+              </a:rPr>
+              <a:t> </a:t>
+            </a:r>
+          </a:p>
+        </p:txBody>
+      </p:sp>
+    </p:spTree>
+    <p:extLst>
+      <p:ext uri="{BB962C8B-B14F-4D97-AF65-F5344CB8AC3E}">
+        <p14:creationId xmlns:p14="http://schemas.microsoft.com/office/powerpoint/2010/main" val="105318931"/>
+      </p:ext>
+    </p:extLst>
+  </p:cSld>
+  <p:clrMapOvr>
+    <a:masterClrMapping/>
+  </p:clrMapOvr>
+</p:sld>
+</file>
+
 <file path=ppt/slides/slide9.xml><?xml version="1.0" encoding="utf-8"?>
 <p:sld xmlns:a="http://schemas.openxmlformats.org/drawingml/2006/main" xmlns:r="http://schemas.openxmlformats.org/officeDocument/2006/relationships" xmlns:p="http://schemas.openxmlformats.org/presentationml/2006/main">
   <p:cSld>
@@ -9501,137 +10964,210 @@
       </p:grpSpPr>
       <p:sp>
         <p:nvSpPr>
-          <p:cNvPr id="2" name="Titel 1">
-            <a:extLst>
-              <a:ext uri="{FF2B5EF4-FFF2-40B4-BE49-F238E27FC236}">
-                <a16:creationId xmlns:a16="http://schemas.microsoft.com/office/drawing/2014/main" id="{6F5FFDF3-28B1-02E4-D7B9-A3EE382CED94}"/>
-              </a:ext>
-            </a:extLst>
-          </p:cNvPr>
-          <p:cNvSpPr>
-            <a:spLocks noGrp="1"/>
-          </p:cNvSpPr>
-          <p:nvPr>
-            <p:ph type="title"/>
-          </p:nvPr>
-        </p:nvSpPr>
-        <p:spPr/>
-        <p:txBody>
-          <a:bodyPr/>
-          <a:lstStyle/>
-          <a:p>
-            <a:r>
-              <a:rPr lang="de-DE" dirty="0">
+          <p:cNvPr id="2" name="Textfeld 1">
+            <a:extLst>
+              <a:ext uri="{FF2B5EF4-FFF2-40B4-BE49-F238E27FC236}">
+                <a16:creationId xmlns:a16="http://schemas.microsoft.com/office/drawing/2014/main" id="{E5E7FF4F-16AE-53F2-741E-E69EE05EFE39}"/>
+              </a:ext>
+            </a:extLst>
+          </p:cNvPr>
+          <p:cNvSpPr txBox="1"/>
+          <p:nvPr/>
+        </p:nvSpPr>
+        <p:spPr>
+          <a:xfrm>
+            <a:off x="2917371" y="2767280"/>
+            <a:ext cx="6977743" cy="1323439"/>
+          </a:xfrm>
+          <a:prstGeom prst="rect">
+            <a:avLst/>
+          </a:prstGeom>
+          <a:noFill/>
+        </p:spPr>
+        <p:txBody>
+          <a:bodyPr wrap="square" rtlCol="0">
+            <a:spAutoFit/>
+          </a:bodyPr>
+          <a:lstStyle/>
+          <a:p>
+            <a:pPr algn="ctr"/>
+            <a:r>
+              <a:rPr lang="de-DE" sz="4000" dirty="0">
                 <a:solidFill>
                   <a:schemeClr val="bg1"/>
                 </a:solidFill>
+                <a:latin typeface="+mj-lt"/>
               </a:rPr>
-              <a:t>Quellen</a:t>
-            </a:r>
-            <a:endParaRPr lang="de-AT" dirty="0">
+              <a:t>Vielen Dank für eure Aufmerksamkeit!</a:t>
+            </a:r>
+            <a:endParaRPr lang="de-AT" sz="4000" dirty="0">
               <a:solidFill>
                 <a:schemeClr val="bg1"/>
               </a:solidFill>
+              <a:latin typeface="+mj-lt"/>
             </a:endParaRPr>
           </a:p>
         </p:txBody>
       </p:sp>
-      <p:sp>
-        <p:nvSpPr>
-          <p:cNvPr id="3" name="Inhaltsplatzhalter 2">
-            <a:extLst>
-              <a:ext uri="{FF2B5EF4-FFF2-40B4-BE49-F238E27FC236}">
-                <a16:creationId xmlns:a16="http://schemas.microsoft.com/office/drawing/2014/main" id="{48A2CF3B-8B33-88EE-9B18-BA011CB5B5E9}"/>
-              </a:ext>
-            </a:extLst>
-          </p:cNvPr>
-          <p:cNvSpPr>
-            <a:spLocks noGrp="1"/>
-          </p:cNvSpPr>
-          <p:nvPr>
-            <p:ph idx="1"/>
-          </p:nvPr>
-        </p:nvSpPr>
-        <p:spPr/>
-        <p:txBody>
-          <a:bodyPr/>
-          <a:lstStyle/>
-          <a:p>
-            <a:r>
-              <a:rPr lang="de-AT" dirty="0">
-                <a:solidFill>
-                  <a:schemeClr val="bg1"/>
-                </a:solidFill>
-                <a:hlinkClick r:id="rId2"/>
-              </a:rPr>
-              <a:t>https://aws.amazon.com/what-is/pub-sub-messaging/</a:t>
-            </a:r>
-            <a:endParaRPr lang="de-AT" dirty="0">
-              <a:solidFill>
-                <a:schemeClr val="bg1"/>
-              </a:solidFill>
-            </a:endParaRPr>
-          </a:p>
-          <a:p>
-            <a:r>
-              <a:rPr lang="de-AT" dirty="0">
-                <a:solidFill>
-                  <a:schemeClr val="bg1"/>
-                </a:solidFill>
-                <a:hlinkClick r:id="rId3"/>
-              </a:rPr>
-              <a:t>https://docs.oasis-open.org/mqtt/mqtt/v5.0/mqtt-v5.0.pdf</a:t>
-            </a:r>
-            <a:endParaRPr lang="de-AT" dirty="0">
-              <a:solidFill>
-                <a:schemeClr val="bg1"/>
-              </a:solidFill>
-            </a:endParaRPr>
-          </a:p>
-          <a:p>
-            <a:r>
-              <a:rPr lang="de-AT" dirty="0">
-                <a:solidFill>
-                  <a:schemeClr val="bg1"/>
-                </a:solidFill>
-                <a:hlinkClick r:id="rId4"/>
-              </a:rPr>
-              <a:t>https://hivemq.com/blog/mqtt-essentials-part-6-mqtt-quality-of-service-levels/</a:t>
-            </a:r>
-            <a:endParaRPr lang="de-AT" dirty="0">
-              <a:solidFill>
-                <a:schemeClr val="bg1"/>
-              </a:solidFill>
-            </a:endParaRPr>
-          </a:p>
-          <a:p>
-            <a:r>
-              <a:rPr lang="de-AT" dirty="0">
-                <a:solidFill>
-                  <a:schemeClr val="bg1"/>
-                </a:solidFill>
-                <a:hlinkClick r:id="rId5"/>
-              </a:rPr>
-              <a:t>https://i-flow.io/ressources/mqtt-quality-of-service-qos-anwendungsfaelle-und-beispiele/</a:t>
-            </a:r>
-            <a:endParaRPr lang="de-AT" dirty="0">
-              <a:solidFill>
-                <a:schemeClr val="bg1"/>
-              </a:solidFill>
-            </a:endParaRPr>
-          </a:p>
-        </p:txBody>
-      </p:sp>
+      <p:pic>
+        <p:nvPicPr>
+          <p:cNvPr id="4" name="Grafik 3">
+            <a:extLst>
+              <a:ext uri="{FF2B5EF4-FFF2-40B4-BE49-F238E27FC236}">
+                <a16:creationId xmlns:a16="http://schemas.microsoft.com/office/drawing/2014/main" id="{3AE1AF9F-0053-40E7-56D9-979D9493815C}"/>
+              </a:ext>
+            </a:extLst>
+          </p:cNvPr>
+          <p:cNvPicPr>
+            <a:picLocks noChangeAspect="1"/>
+          </p:cNvPicPr>
+          <p:nvPr/>
+        </p:nvPicPr>
+        <p:blipFill>
+          <a:blip r:embed="rId2"/>
+          <a:stretch>
+            <a:fillRect/>
+          </a:stretch>
+        </p:blipFill>
+        <p:spPr>
+          <a:xfrm>
+            <a:off x="3216435" y="406200"/>
+            <a:ext cx="6058194" cy="6045600"/>
+          </a:xfrm>
+          <a:prstGeom prst="rect">
+            <a:avLst/>
+          </a:prstGeom>
+        </p:spPr>
+      </p:pic>
     </p:spTree>
     <p:extLst>
       <p:ext uri="{BB962C8B-B14F-4D97-AF65-F5344CB8AC3E}">
-        <p14:creationId xmlns:p14="http://schemas.microsoft.com/office/powerpoint/2010/main" val="351193880"/>
+        <p14:creationId xmlns:p14="http://schemas.microsoft.com/office/powerpoint/2010/main" val="3911412262"/>
       </p:ext>
     </p:extLst>
   </p:cSld>
   <p:clrMapOvr>
     <a:masterClrMapping/>
   </p:clrMapOvr>
+  <p:timing>
+    <p:tnLst>
+      <p:par>
+        <p:cTn id="1" dur="indefinite" restart="never" nodeType="tmRoot">
+          <p:childTnLst>
+            <p:seq concurrent="1" nextAc="seek">
+              <p:cTn id="2" dur="indefinite" nodeType="mainSeq">
+                <p:childTnLst>
+                  <p:par>
+                    <p:cTn id="3" fill="hold">
+                      <p:stCondLst>
+                        <p:cond delay="indefinite"/>
+                      </p:stCondLst>
+                      <p:childTnLst>
+                        <p:par>
+                          <p:cTn id="4" fill="hold">
+                            <p:stCondLst>
+                              <p:cond delay="0"/>
+                            </p:stCondLst>
+                            <p:childTnLst>
+                              <p:par>
+                                <p:cTn id="5" presetID="1" presetClass="entr" presetSubtype="0" fill="hold" nodeType="clickEffect">
+                                  <p:stCondLst>
+                                    <p:cond delay="0"/>
+                                  </p:stCondLst>
+                                  <p:childTnLst>
+                                    <p:set>
+                                      <p:cBhvr>
+                                        <p:cTn id="6" dur="1" fill="hold">
+                                          <p:stCondLst>
+                                            <p:cond delay="0"/>
+                                          </p:stCondLst>
+                                        </p:cTn>
+                                        <p:tgtEl>
+                                          <p:spTgt spid="4"/>
+                                        </p:tgtEl>
+                                        <p:attrNameLst>
+                                          <p:attrName>style.visibility</p:attrName>
+                                        </p:attrNameLst>
+                                      </p:cBhvr>
+                                      <p:to>
+                                        <p:strVal val="visible"/>
+                                      </p:to>
+                                    </p:set>
+                                  </p:childTnLst>
+                                </p:cTn>
+                              </p:par>
+                            </p:childTnLst>
+                          </p:cTn>
+                        </p:par>
+                        <p:par>
+                          <p:cTn id="7" fill="hold">
+                            <p:stCondLst>
+                              <p:cond delay="0"/>
+                            </p:stCondLst>
+                            <p:childTnLst>
+                              <p:par>
+                                <p:cTn id="8" presetID="10" presetClass="exit" presetSubtype="0" fill="hold" nodeType="afterEffect">
+                                  <p:stCondLst>
+                                    <p:cond delay="200"/>
+                                  </p:stCondLst>
+                                  <p:childTnLst>
+                                    <p:animEffect transition="out" filter="fade">
+                                      <p:cBhvr>
+                                        <p:cTn id="9" dur="750"/>
+                                        <p:tgtEl>
+                                          <p:spTgt spid="4"/>
+                                        </p:tgtEl>
+                                      </p:cBhvr>
+                                    </p:animEffect>
+                                    <p:set>
+                                      <p:cBhvr>
+                                        <p:cTn id="10" dur="1" fill="hold">
+                                          <p:stCondLst>
+                                            <p:cond delay="749"/>
+                                          </p:stCondLst>
+                                        </p:cTn>
+                                        <p:tgtEl>
+                                          <p:spTgt spid="4"/>
+                                        </p:tgtEl>
+                                        <p:attrNameLst>
+                                          <p:attrName>style.visibility</p:attrName>
+                                        </p:attrNameLst>
+                                      </p:cBhvr>
+                                      <p:to>
+                                        <p:strVal val="hidden"/>
+                                      </p:to>
+                                    </p:set>
+                                  </p:childTnLst>
+                                </p:cTn>
+                              </p:par>
+                            </p:childTnLst>
+                          </p:cTn>
+                        </p:par>
+                      </p:childTnLst>
+                    </p:cTn>
+                  </p:par>
+                </p:childTnLst>
+              </p:cTn>
+              <p:prevCondLst>
+                <p:cond evt="onPrev" delay="0">
+                  <p:tgtEl>
+                    <p:sldTgt/>
+                  </p:tgtEl>
+                </p:cond>
+              </p:prevCondLst>
+              <p:nextCondLst>
+                <p:cond evt="onNext" delay="0">
+                  <p:tgtEl>
+                    <p:sldTgt/>
+                  </p:tgtEl>
+                </p:cond>
+              </p:nextCondLst>
+            </p:seq>
+          </p:childTnLst>
+        </p:cTn>
+      </p:par>
+    </p:tnLst>
+  </p:timing>
 </p:sld>
 </file>
 
